--- a/Multimedia Content in E-commerce.pptx
+++ b/Multimedia Content in E-commerce.pptx
@@ -1976,7 +1976,6 @@
                 <a:solidFill>
                   <a:srgbClr val="000000"/>
                 </a:solidFill>
-                <a:latin typeface="OpenSans-Bold" pitchFamily="34" charset="0"/>
                 <a:ea typeface="OpenSans-Bold" pitchFamily="34" charset="-122"/>
                 <a:cs typeface="OpenSans-Bold" pitchFamily="34" charset="-120"/>
               </a:rPr>
@@ -2174,7 +2173,6 @@
                 <a:solidFill>
                   <a:srgbClr val="333333"/>
                 </a:solidFill>
-                <a:latin typeface="OpenSans-Bold" pitchFamily="34" charset="0"/>
                 <a:ea typeface="OpenSans-Bold" pitchFamily="34" charset="-122"/>
                 <a:cs typeface="OpenSans-Bold" pitchFamily="34" charset="-120"/>
               </a:rPr>
@@ -2213,7 +2211,6 @@
                 <a:solidFill>
                   <a:srgbClr val="000000"/>
                 </a:solidFill>
-                <a:latin typeface="OpenSans-Bold" pitchFamily="34" charset="0"/>
                 <a:ea typeface="OpenSans-Bold" pitchFamily="34" charset="-122"/>
                 <a:cs typeface="OpenSans-Bold" pitchFamily="34" charset="-120"/>
               </a:rPr>
@@ -2252,7 +2249,6 @@
                 <a:solidFill>
                   <a:srgbClr val="000000"/>
                 </a:solidFill>
-                <a:latin typeface="OpenSans-Regular" pitchFamily="34" charset="0"/>
                 <a:ea typeface="OpenSans-Regular" pitchFamily="34" charset="-122"/>
                 <a:cs typeface="OpenSans-Regular" pitchFamily="34" charset="-120"/>
               </a:rPr>
@@ -2291,7 +2287,6 @@
                 <a:solidFill>
                   <a:srgbClr val="000000"/>
                 </a:solidFill>
-                <a:latin typeface="OpenSans-Bold" pitchFamily="34" charset="0"/>
                 <a:ea typeface="OpenSans-Bold" pitchFamily="34" charset="-122"/>
                 <a:cs typeface="OpenSans-Bold" pitchFamily="34" charset="-120"/>
               </a:rPr>
@@ -2361,7 +2356,6 @@
                 <a:solidFill>
                   <a:srgbClr val="000000"/>
                 </a:solidFill>
-                <a:latin typeface="OpenSans-Bold" pitchFamily="34" charset="0"/>
                 <a:ea typeface="OpenSans-Bold" pitchFamily="34" charset="-122"/>
                 <a:cs typeface="OpenSans-Bold" pitchFamily="34" charset="-120"/>
               </a:rPr>
@@ -2547,7 +2541,6 @@
                 <a:solidFill>
                   <a:srgbClr val="333333"/>
                 </a:solidFill>
-                <a:latin typeface="OpenSans-Bold" pitchFamily="34" charset="0"/>
                 <a:ea typeface="OpenSans-Bold" pitchFamily="34" charset="-122"/>
                 <a:cs typeface="OpenSans-Bold" pitchFamily="34" charset="-120"/>
               </a:rPr>
@@ -2586,7 +2579,6 @@
                 <a:solidFill>
                   <a:srgbClr val="000000"/>
                 </a:solidFill>
-                <a:latin typeface="OpenSans-Bold" pitchFamily="34" charset="0"/>
                 <a:ea typeface="OpenSans-Bold" pitchFamily="34" charset="-122"/>
                 <a:cs typeface="OpenSans-Bold" pitchFamily="34" charset="-120"/>
               </a:rPr>
@@ -2625,7 +2617,6 @@
                 <a:solidFill>
                   <a:srgbClr val="000000"/>
                 </a:solidFill>
-                <a:latin typeface="OpenSans-Regular" pitchFamily="34" charset="0"/>
                 <a:ea typeface="OpenSans-Regular" pitchFamily="34" charset="-122"/>
                 <a:cs typeface="OpenSans-Regular" pitchFamily="34" charset="-120"/>
               </a:rPr>
@@ -2664,7 +2655,6 @@
                 <a:solidFill>
                   <a:srgbClr val="000000"/>
                 </a:solidFill>
-                <a:latin typeface="OpenSans-Bold" pitchFamily="34" charset="0"/>
                 <a:ea typeface="OpenSans-Bold" pitchFamily="34" charset="-122"/>
                 <a:cs typeface="OpenSans-Bold" pitchFamily="34" charset="-120"/>
               </a:rPr>
@@ -2734,7 +2724,6 @@
                 <a:solidFill>
                   <a:srgbClr val="000000"/>
                 </a:solidFill>
-                <a:latin typeface="OpenSans-Bold" pitchFamily="34" charset="0"/>
                 <a:ea typeface="OpenSans-Bold" pitchFamily="34" charset="-122"/>
                 <a:cs typeface="OpenSans-Bold" pitchFamily="34" charset="-120"/>
               </a:rPr>
@@ -2920,7 +2909,6 @@
                 <a:solidFill>
                   <a:srgbClr val="333333"/>
                 </a:solidFill>
-                <a:latin typeface="OpenSans-Bold" pitchFamily="34" charset="0"/>
                 <a:ea typeface="OpenSans-Bold" pitchFamily="34" charset="-122"/>
                 <a:cs typeface="OpenSans-Bold" pitchFamily="34" charset="-120"/>
               </a:rPr>
@@ -2959,7 +2947,6 @@
                 <a:solidFill>
                   <a:srgbClr val="000000"/>
                 </a:solidFill>
-                <a:latin typeface="OpenSans-Bold" pitchFamily="34" charset="0"/>
                 <a:ea typeface="OpenSans-Bold" pitchFamily="34" charset="-122"/>
                 <a:cs typeface="OpenSans-Bold" pitchFamily="34" charset="-120"/>
               </a:rPr>
@@ -2998,7 +2985,6 @@
                 <a:solidFill>
                   <a:srgbClr val="000000"/>
                 </a:solidFill>
-                <a:latin typeface="OpenSans-Regular" pitchFamily="34" charset="0"/>
                 <a:ea typeface="OpenSans-Regular" pitchFamily="34" charset="-122"/>
                 <a:cs typeface="OpenSans-Regular" pitchFamily="34" charset="-120"/>
               </a:rPr>
@@ -3037,7 +3023,6 @@
                 <a:solidFill>
                   <a:srgbClr val="000000"/>
                 </a:solidFill>
-                <a:latin typeface="OpenSans-Bold" pitchFamily="34" charset="0"/>
                 <a:ea typeface="OpenSans-Bold" pitchFamily="34" charset="-122"/>
                 <a:cs typeface="OpenSans-Bold" pitchFamily="34" charset="-120"/>
               </a:rPr>
@@ -3107,7 +3092,6 @@
                 <a:solidFill>
                   <a:srgbClr val="000000"/>
                 </a:solidFill>
-                <a:latin typeface="OpenSans-Bold" pitchFamily="34" charset="0"/>
                 <a:ea typeface="OpenSans-Bold" pitchFamily="34" charset="-122"/>
                 <a:cs typeface="OpenSans-Bold" pitchFamily="34" charset="-120"/>
               </a:rPr>
@@ -3146,7 +3130,6 @@
                 <a:solidFill>
                   <a:srgbClr val="000000"/>
                 </a:solidFill>
-                <a:latin typeface="OpenSans-Regular" pitchFamily="34" charset="0"/>
                 <a:ea typeface="OpenSans-Regular" pitchFamily="34" charset="-122"/>
                 <a:cs typeface="OpenSans-Regular" pitchFamily="34" charset="-120"/>
               </a:rPr>
@@ -3308,7 +3291,6 @@
                 <a:solidFill>
                   <a:srgbClr val="000000"/>
                 </a:solidFill>
-                <a:latin typeface="OpenSans-Bold" pitchFamily="34" charset="0"/>
                 <a:ea typeface="OpenSans-Bold" pitchFamily="34" charset="-122"/>
                 <a:cs typeface="OpenSans-Bold" pitchFamily="34" charset="-120"/>
               </a:rPr>
@@ -3442,7 +3424,6 @@
                 <a:solidFill>
                   <a:srgbClr val="000000"/>
                 </a:solidFill>
-                <a:latin typeface="OpenSans-Bold" pitchFamily="34" charset="0"/>
                 <a:ea typeface="OpenSans-Bold" pitchFamily="34" charset="-122"/>
                 <a:cs typeface="OpenSans-Bold" pitchFamily="34" charset="-120"/>
               </a:rPr>
@@ -3481,7 +3462,6 @@
                 <a:solidFill>
                   <a:srgbClr val="000000"/>
                 </a:solidFill>
-                <a:latin typeface="OpenSans-Bold" pitchFamily="34" charset="0"/>
                 <a:ea typeface="OpenSans-Bold" pitchFamily="34" charset="-122"/>
                 <a:cs typeface="OpenSans-Bold" pitchFamily="34" charset="-120"/>
               </a:rPr>
@@ -3520,7 +3500,6 @@
                 <a:solidFill>
                   <a:srgbClr val="000000"/>
                 </a:solidFill>
-                <a:latin typeface="OpenSans-Bold" pitchFamily="34" charset="0"/>
                 <a:ea typeface="OpenSans-Bold" pitchFamily="34" charset="-122"/>
                 <a:cs typeface="OpenSans-Bold" pitchFamily="34" charset="-120"/>
               </a:rPr>
@@ -3782,7 +3761,6 @@
                 <a:solidFill>
                   <a:srgbClr val="000000"/>
                 </a:solidFill>
-                <a:latin typeface="OpenSans-Bold" pitchFamily="34" charset="0"/>
                 <a:ea typeface="OpenSans-Bold" pitchFamily="34" charset="-122"/>
                 <a:cs typeface="OpenSans-Bold" pitchFamily="34" charset="-120"/>
               </a:rPr>
@@ -3821,7 +3799,6 @@
                 <a:solidFill>
                   <a:srgbClr val="000000"/>
                 </a:solidFill>
-                <a:latin typeface="OpenSans-Bold" pitchFamily="34" charset="0"/>
                 <a:ea typeface="OpenSans-Bold" pitchFamily="34" charset="-122"/>
                 <a:cs typeface="OpenSans-Bold" pitchFamily="34" charset="-120"/>
               </a:rPr>
@@ -4038,7 +4015,6 @@
                 <a:solidFill>
                   <a:srgbClr val="333333"/>
                 </a:solidFill>
-                <a:latin typeface="OpenSans-Bold" pitchFamily="34" charset="0"/>
                 <a:ea typeface="OpenSans-Bold" pitchFamily="34" charset="-122"/>
                 <a:cs typeface="OpenSans-Bold" pitchFamily="34" charset="-120"/>
               </a:rPr>
@@ -4077,7 +4053,6 @@
                 <a:solidFill>
                   <a:srgbClr val="000000"/>
                 </a:solidFill>
-                <a:latin typeface="OpenSans-Bold" pitchFamily="34" charset="0"/>
                 <a:ea typeface="OpenSans-Bold" pitchFamily="34" charset="-122"/>
                 <a:cs typeface="OpenSans-Bold" pitchFamily="34" charset="-120"/>
               </a:rPr>
@@ -4116,7 +4091,6 @@
                 <a:solidFill>
                   <a:srgbClr val="000000"/>
                 </a:solidFill>
-                <a:latin typeface="OpenSans-Regular" pitchFamily="34" charset="0"/>
                 <a:ea typeface="OpenSans-Regular" pitchFamily="34" charset="-122"/>
                 <a:cs typeface="OpenSans-Regular" pitchFamily="34" charset="-120"/>
               </a:rPr>
@@ -4155,7 +4129,6 @@
                 <a:solidFill>
                   <a:srgbClr val="000000"/>
                 </a:solidFill>
-                <a:latin typeface="OpenSans-Bold" pitchFamily="34" charset="0"/>
                 <a:ea typeface="OpenSans-Bold" pitchFamily="34" charset="-122"/>
                 <a:cs typeface="OpenSans-Bold" pitchFamily="34" charset="-120"/>
               </a:rPr>
@@ -4225,7 +4198,6 @@
                 <a:solidFill>
                   <a:srgbClr val="000000"/>
                 </a:solidFill>
-                <a:latin typeface="OpenSans-Bold" pitchFamily="34" charset="0"/>
                 <a:ea typeface="OpenSans-Bold" pitchFamily="34" charset="-122"/>
                 <a:cs typeface="OpenSans-Bold" pitchFamily="34" charset="-120"/>
               </a:rPr>
@@ -4413,7 +4385,6 @@
                 <a:solidFill>
                   <a:srgbClr val="000000"/>
                 </a:solidFill>
-                <a:latin typeface="OpenSans-Bold" pitchFamily="34" charset="0"/>
                 <a:ea typeface="OpenSans-Bold" pitchFamily="34" charset="-122"/>
                 <a:cs typeface="OpenSans-Bold" pitchFamily="34" charset="-120"/>
               </a:rPr>
@@ -4640,7 +4611,6 @@
                 <a:solidFill>
                   <a:srgbClr val="333333"/>
                 </a:solidFill>
-                <a:latin typeface="OpenSans-Bold" pitchFamily="34" charset="0"/>
                 <a:ea typeface="OpenSans-Bold" pitchFamily="34" charset="-122"/>
                 <a:cs typeface="OpenSans-Bold" pitchFamily="34" charset="-120"/>
               </a:rPr>
@@ -4699,7 +4669,6 @@
                 <a:solidFill>
                   <a:srgbClr val="333333"/>
                 </a:solidFill>
-                <a:latin typeface="Prompt-Bold" pitchFamily="34" charset="0"/>
                 <a:ea typeface="Prompt-Bold" pitchFamily="34" charset="-122"/>
                 <a:cs typeface="Prompt-Bold" pitchFamily="34" charset="-120"/>
               </a:rPr>
@@ -4738,7 +4707,6 @@
                 <a:solidFill>
                   <a:srgbClr val="333333"/>
                 </a:solidFill>
-                <a:latin typeface="OpenSans-Regular" pitchFamily="34" charset="0"/>
                 <a:ea typeface="OpenSans-Regular" pitchFamily="34" charset="-122"/>
                 <a:cs typeface="OpenSans-Regular" pitchFamily="34" charset="-120"/>
               </a:rPr>
@@ -4797,7 +4765,6 @@
                 <a:solidFill>
                   <a:srgbClr val="333333"/>
                 </a:solidFill>
-                <a:latin typeface="Prompt-Bold" pitchFamily="34" charset="0"/>
                 <a:ea typeface="Prompt-Bold" pitchFamily="34" charset="-122"/>
                 <a:cs typeface="Prompt-Bold" pitchFamily="34" charset="-120"/>
               </a:rPr>
@@ -4836,7 +4803,6 @@
                 <a:solidFill>
                   <a:srgbClr val="333333"/>
                 </a:solidFill>
-                <a:latin typeface="OpenSans-Regular" pitchFamily="34" charset="0"/>
                 <a:ea typeface="OpenSans-Regular" pitchFamily="34" charset="-122"/>
                 <a:cs typeface="OpenSans-Regular" pitchFamily="34" charset="-120"/>
               </a:rPr>
@@ -4895,7 +4861,6 @@
                 <a:solidFill>
                   <a:srgbClr val="333333"/>
                 </a:solidFill>
-                <a:latin typeface="Prompt-Bold" pitchFamily="34" charset="0"/>
                 <a:ea typeface="Prompt-Bold" pitchFamily="34" charset="-122"/>
                 <a:cs typeface="Prompt-Bold" pitchFamily="34" charset="-120"/>
               </a:rPr>
@@ -4934,7 +4899,6 @@
                 <a:solidFill>
                   <a:srgbClr val="333333"/>
                 </a:solidFill>
-                <a:latin typeface="OpenSans-Regular" pitchFamily="34" charset="0"/>
                 <a:ea typeface="OpenSans-Regular" pitchFamily="34" charset="-122"/>
                 <a:cs typeface="OpenSans-Regular" pitchFamily="34" charset="-120"/>
               </a:rPr>
@@ -4993,7 +4957,6 @@
                 <a:solidFill>
                   <a:srgbClr val="333333"/>
                 </a:solidFill>
-                <a:latin typeface="Prompt-Bold" pitchFamily="34" charset="0"/>
                 <a:ea typeface="Prompt-Bold" pitchFamily="34" charset="-122"/>
                 <a:cs typeface="Prompt-Bold" pitchFamily="34" charset="-120"/>
               </a:rPr>
@@ -5032,7 +4995,6 @@
                 <a:solidFill>
                   <a:srgbClr val="333333"/>
                 </a:solidFill>
-                <a:latin typeface="OpenSans-Regular" pitchFamily="34" charset="0"/>
                 <a:ea typeface="OpenSans-Regular" pitchFamily="34" charset="-122"/>
                 <a:cs typeface="OpenSans-Regular" pitchFamily="34" charset="-120"/>
               </a:rPr>
@@ -5091,7 +5053,6 @@
                 <a:solidFill>
                   <a:srgbClr val="333333"/>
                 </a:solidFill>
-                <a:latin typeface="Prompt-Bold" pitchFamily="34" charset="0"/>
                 <a:ea typeface="Prompt-Bold" pitchFamily="34" charset="-122"/>
                 <a:cs typeface="Prompt-Bold" pitchFamily="34" charset="-120"/>
               </a:rPr>
@@ -5130,7 +5091,6 @@
                 <a:solidFill>
                   <a:srgbClr val="333333"/>
                 </a:solidFill>
-                <a:latin typeface="OpenSans-Regular" pitchFamily="34" charset="0"/>
                 <a:ea typeface="OpenSans-Regular" pitchFamily="34" charset="-122"/>
                 <a:cs typeface="OpenSans-Regular" pitchFamily="34" charset="-120"/>
               </a:rPr>
@@ -5238,7 +5198,6 @@
                 <a:solidFill>
                   <a:srgbClr val="333333"/>
                 </a:solidFill>
-                <a:latin typeface="OpenSans-Bold" pitchFamily="34" charset="0"/>
                 <a:ea typeface="OpenSans-Bold" pitchFamily="34" charset="-122"/>
                 <a:cs typeface="OpenSans-Bold" pitchFamily="34" charset="-120"/>
               </a:rPr>
@@ -5277,7 +5236,6 @@
                 <a:solidFill>
                   <a:srgbClr val="000000"/>
                 </a:solidFill>
-                <a:latin typeface="OpenSans-Bold" pitchFamily="34" charset="0"/>
                 <a:ea typeface="OpenSans-Bold" pitchFamily="34" charset="-122"/>
                 <a:cs typeface="OpenSans-Bold" pitchFamily="34" charset="-120"/>
               </a:rPr>
@@ -5316,7 +5274,6 @@
                 <a:solidFill>
                   <a:srgbClr val="000000"/>
                 </a:solidFill>
-                <a:latin typeface="OpenSans-Regular" pitchFamily="34" charset="0"/>
                 <a:ea typeface="OpenSans-Regular" pitchFamily="34" charset="-122"/>
                 <a:cs typeface="OpenSans-Regular" pitchFamily="34" charset="-120"/>
               </a:rPr>
@@ -5355,7 +5312,6 @@
                 <a:solidFill>
                   <a:srgbClr val="000000"/>
                 </a:solidFill>
-                <a:latin typeface="OpenSans-Bold" pitchFamily="34" charset="0"/>
                 <a:ea typeface="OpenSans-Bold" pitchFamily="34" charset="-122"/>
                 <a:cs typeface="OpenSans-Bold" pitchFamily="34" charset="-120"/>
               </a:rPr>
@@ -5394,7 +5350,6 @@
                 <a:solidFill>
                   <a:srgbClr val="000000"/>
                 </a:solidFill>
-                <a:latin typeface="OpenSans-Regular" pitchFamily="34" charset="0"/>
                 <a:ea typeface="OpenSans-Regular" pitchFamily="34" charset="-122"/>
                 <a:cs typeface="OpenSans-Regular" pitchFamily="34" charset="-120"/>
               </a:rPr>
@@ -5405,7 +5360,6 @@
                 <a:solidFill>
                   <a:srgbClr val="000000"/>
                 </a:solidFill>
-                <a:latin typeface="OpenSans-Regular" pitchFamily="34" charset="0"/>
                 <a:ea typeface="OpenSans-Regular" pitchFamily="34" charset="-122"/>
                 <a:cs typeface="OpenSans-Regular" pitchFamily="34" charset="-120"/>
               </a:rPr>
@@ -5444,7 +5398,6 @@
                 <a:solidFill>
                   <a:srgbClr val="000000"/>
                 </a:solidFill>
-                <a:latin typeface="OpenSans-Bold" pitchFamily="34" charset="0"/>
                 <a:ea typeface="OpenSans-Bold" pitchFamily="34" charset="-122"/>
                 <a:cs typeface="OpenSans-Bold" pitchFamily="34" charset="-120"/>
               </a:rPr>
@@ -5483,7 +5436,6 @@
                 <a:solidFill>
                   <a:srgbClr val="000000"/>
                 </a:solidFill>
-                <a:latin typeface="OpenSans-Regular" pitchFamily="34" charset="0"/>
                 <a:ea typeface="OpenSans-Regular" pitchFamily="34" charset="-122"/>
                 <a:cs typeface="OpenSans-Regular" pitchFamily="34" charset="-120"/>
               </a:rPr>
@@ -5638,7 +5590,6 @@
                 <a:solidFill>
                   <a:srgbClr val="333333"/>
                 </a:solidFill>
-                <a:latin typeface="OpenSans-Bold" pitchFamily="34" charset="0"/>
                 <a:ea typeface="OpenSans-Bold" pitchFamily="34" charset="-122"/>
                 <a:cs typeface="OpenSans-Bold" pitchFamily="34" charset="-120"/>
               </a:rPr>
@@ -5677,7 +5628,6 @@
                 <a:solidFill>
                   <a:srgbClr val="000000"/>
                 </a:solidFill>
-                <a:latin typeface="OpenSans-Bold" pitchFamily="34" charset="0"/>
                 <a:ea typeface="OpenSans-Bold" pitchFamily="34" charset="-122"/>
                 <a:cs typeface="OpenSans-Bold" pitchFamily="34" charset="-120"/>
               </a:rPr>
@@ -5716,7 +5666,6 @@
                 <a:solidFill>
                   <a:srgbClr val="000000"/>
                 </a:solidFill>
-                <a:latin typeface="OpenSans-Regular" pitchFamily="34" charset="0"/>
                 <a:ea typeface="OpenSans-Regular" pitchFamily="34" charset="-122"/>
                 <a:cs typeface="OpenSans-Regular" pitchFamily="34" charset="-120"/>
               </a:rPr>
@@ -5755,7 +5704,6 @@
                 <a:solidFill>
                   <a:srgbClr val="000000"/>
                 </a:solidFill>
-                <a:latin typeface="OpenSans-Bold" pitchFamily="34" charset="0"/>
                 <a:ea typeface="OpenSans-Bold" pitchFamily="34" charset="-122"/>
                 <a:cs typeface="OpenSans-Bold" pitchFamily="34" charset="-120"/>
               </a:rPr>
@@ -5794,7 +5742,6 @@
                 <a:solidFill>
                   <a:srgbClr val="000000"/>
                 </a:solidFill>
-                <a:latin typeface="OpenSans-Regular" pitchFamily="34" charset="0"/>
                 <a:ea typeface="OpenSans-Regular" pitchFamily="34" charset="-122"/>
                 <a:cs typeface="OpenSans-Regular" pitchFamily="34" charset="-120"/>
               </a:rPr>
@@ -5833,7 +5780,6 @@
                 <a:solidFill>
                   <a:srgbClr val="000000"/>
                 </a:solidFill>
-                <a:latin typeface="OpenSans-Bold" pitchFamily="34" charset="0"/>
                 <a:ea typeface="OpenSans-Bold" pitchFamily="34" charset="-122"/>
                 <a:cs typeface="OpenSans-Bold" pitchFamily="34" charset="-120"/>
               </a:rPr>
@@ -5872,7 +5818,6 @@
                 <a:solidFill>
                   <a:srgbClr val="000000"/>
                 </a:solidFill>
-                <a:latin typeface="OpenSans-Regular" pitchFamily="34" charset="0"/>
                 <a:ea typeface="OpenSans-Regular" pitchFamily="34" charset="-122"/>
                 <a:cs typeface="OpenSans-Regular" pitchFamily="34" charset="-120"/>
               </a:rPr>
@@ -6027,7 +5972,6 @@
                 <a:solidFill>
                   <a:srgbClr val="333333"/>
                 </a:solidFill>
-                <a:latin typeface="OpenSans-Bold" pitchFamily="34" charset="0"/>
                 <a:ea typeface="OpenSans-Bold" pitchFamily="34" charset="-122"/>
                 <a:cs typeface="OpenSans-Bold" pitchFamily="34" charset="-120"/>
               </a:rPr>
@@ -6066,7 +6010,6 @@
                 <a:solidFill>
                   <a:srgbClr val="000000"/>
                 </a:solidFill>
-                <a:latin typeface="OpenSans-Bold" pitchFamily="34" charset="0"/>
                 <a:ea typeface="OpenSans-Bold" pitchFamily="34" charset="-122"/>
                 <a:cs typeface="OpenSans-Bold" pitchFamily="34" charset="-120"/>
               </a:rPr>
@@ -6105,7 +6048,6 @@
                 <a:solidFill>
                   <a:srgbClr val="000000"/>
                 </a:solidFill>
-                <a:latin typeface="OpenSans-Regular" pitchFamily="34" charset="0"/>
                 <a:ea typeface="OpenSans-Regular" pitchFamily="34" charset="-122"/>
                 <a:cs typeface="OpenSans-Regular" pitchFamily="34" charset="-120"/>
               </a:rPr>
@@ -6144,7 +6086,6 @@
                 <a:solidFill>
                   <a:srgbClr val="000000"/>
                 </a:solidFill>
-                <a:latin typeface="OpenSans-Bold" pitchFamily="34" charset="0"/>
                 <a:ea typeface="OpenSans-Bold" pitchFamily="34" charset="-122"/>
                 <a:cs typeface="OpenSans-Bold" pitchFamily="34" charset="-120"/>
               </a:rPr>
@@ -6214,7 +6155,6 @@
                 <a:solidFill>
                   <a:srgbClr val="000000"/>
                 </a:solidFill>
-                <a:latin typeface="OpenSans-Bold" pitchFamily="34" charset="0"/>
                 <a:ea typeface="OpenSans-Bold" pitchFamily="34" charset="-122"/>
                 <a:cs typeface="OpenSans-Bold" pitchFamily="34" charset="-120"/>
               </a:rPr>
@@ -6253,7 +6193,6 @@
                 <a:solidFill>
                   <a:srgbClr val="000000"/>
                 </a:solidFill>
-                <a:latin typeface="OpenSans-Regular" pitchFamily="34" charset="0"/>
                 <a:ea typeface="OpenSans-Regular" pitchFamily="34" charset="-122"/>
                 <a:cs typeface="OpenSans-Regular" pitchFamily="34" charset="-120"/>
               </a:rPr>
@@ -6408,7 +6347,6 @@
                 <a:solidFill>
                   <a:srgbClr val="333333"/>
                 </a:solidFill>
-                <a:latin typeface="OpenSans-Bold" pitchFamily="34" charset="0"/>
                 <a:ea typeface="OpenSans-Bold" pitchFamily="34" charset="-122"/>
                 <a:cs typeface="OpenSans-Bold" pitchFamily="34" charset="-120"/>
               </a:rPr>
@@ -6447,7 +6385,6 @@
                 <a:solidFill>
                   <a:srgbClr val="000000"/>
                 </a:solidFill>
-                <a:latin typeface="OpenSans-Bold" pitchFamily="34" charset="0"/>
                 <a:ea typeface="OpenSans-Bold" pitchFamily="34" charset="-122"/>
                 <a:cs typeface="OpenSans-Bold" pitchFamily="34" charset="-120"/>
               </a:rPr>
@@ -6486,7 +6423,6 @@
                 <a:solidFill>
                   <a:srgbClr val="000000"/>
                 </a:solidFill>
-                <a:latin typeface="OpenSans-Regular" pitchFamily="34" charset="0"/>
                 <a:ea typeface="OpenSans-Regular" pitchFamily="34" charset="-122"/>
                 <a:cs typeface="OpenSans-Regular" pitchFamily="34" charset="-120"/>
               </a:rPr>
@@ -6525,7 +6461,6 @@
                 <a:solidFill>
                   <a:srgbClr val="000000"/>
                 </a:solidFill>
-                <a:latin typeface="OpenSans-Bold" pitchFamily="34" charset="0"/>
                 <a:ea typeface="OpenSans-Bold" pitchFamily="34" charset="-122"/>
                 <a:cs typeface="OpenSans-Bold" pitchFamily="34" charset="-120"/>
               </a:rPr>
@@ -6595,7 +6530,6 @@
                 <a:solidFill>
                   <a:srgbClr val="000000"/>
                 </a:solidFill>
-                <a:latin typeface="OpenSans-Bold" pitchFamily="34" charset="0"/>
                 <a:ea typeface="OpenSans-Bold" pitchFamily="34" charset="-122"/>
                 <a:cs typeface="OpenSans-Bold" pitchFamily="34" charset="-120"/>
               </a:rPr>
@@ -6781,7 +6715,6 @@
                 <a:solidFill>
                   <a:srgbClr val="333333"/>
                 </a:solidFill>
-                <a:latin typeface="OpenSans-Bold" pitchFamily="34" charset="0"/>
                 <a:ea typeface="OpenSans-Bold" pitchFamily="34" charset="-122"/>
                 <a:cs typeface="OpenSans-Bold" pitchFamily="34" charset="-120"/>
               </a:rPr>
@@ -6820,7 +6753,6 @@
                 <a:solidFill>
                   <a:srgbClr val="000000"/>
                 </a:solidFill>
-                <a:latin typeface="OpenSans-Bold" pitchFamily="34" charset="0"/>
                 <a:ea typeface="OpenSans-Bold" pitchFamily="34" charset="-122"/>
                 <a:cs typeface="OpenSans-Bold" pitchFamily="34" charset="-120"/>
               </a:rPr>
@@ -6859,7 +6791,6 @@
                 <a:solidFill>
                   <a:srgbClr val="000000"/>
                 </a:solidFill>
-                <a:latin typeface="OpenSans-Regular" pitchFamily="34" charset="0"/>
                 <a:ea typeface="OpenSans-Regular" pitchFamily="34" charset="-122"/>
                 <a:cs typeface="OpenSans-Regular" pitchFamily="34" charset="-120"/>
               </a:rPr>
@@ -6898,7 +6829,6 @@
                 <a:solidFill>
                   <a:srgbClr val="000000"/>
                 </a:solidFill>
-                <a:latin typeface="OpenSans-Bold" pitchFamily="34" charset="0"/>
                 <a:ea typeface="OpenSans-Bold" pitchFamily="34" charset="-122"/>
                 <a:cs typeface="OpenSans-Bold" pitchFamily="34" charset="-120"/>
               </a:rPr>
@@ -6937,7 +6867,6 @@
                 <a:solidFill>
                   <a:srgbClr val="000000"/>
                 </a:solidFill>
-                <a:latin typeface="OpenSans-Regular" pitchFamily="34" charset="0"/>
                 <a:ea typeface="OpenSans-Regular" pitchFamily="34" charset="-122"/>
                 <a:cs typeface="OpenSans-Regular" pitchFamily="34" charset="-120"/>
               </a:rPr>
@@ -6976,7 +6905,6 @@
                 <a:solidFill>
                   <a:srgbClr val="000000"/>
                 </a:solidFill>
-                <a:latin typeface="OpenSans-Bold" pitchFamily="34" charset="0"/>
                 <a:ea typeface="OpenSans-Bold" pitchFamily="34" charset="-122"/>
                 <a:cs typeface="OpenSans-Bold" pitchFamily="34" charset="-120"/>
               </a:rPr>
@@ -7162,7 +7090,6 @@
                 <a:solidFill>
                   <a:srgbClr val="333333"/>
                 </a:solidFill>
-                <a:latin typeface="OpenSans-Bold" pitchFamily="34" charset="0"/>
                 <a:ea typeface="OpenSans-Bold" pitchFamily="34" charset="-122"/>
                 <a:cs typeface="OpenSans-Bold" pitchFamily="34" charset="-120"/>
               </a:rPr>
@@ -7201,7 +7128,6 @@
                 <a:solidFill>
                   <a:srgbClr val="000000"/>
                 </a:solidFill>
-                <a:latin typeface="OpenSans-Bold" pitchFamily="34" charset="0"/>
                 <a:ea typeface="OpenSans-Bold" pitchFamily="34" charset="-122"/>
                 <a:cs typeface="OpenSans-Bold" pitchFamily="34" charset="-120"/>
               </a:rPr>
@@ -7271,7 +7197,6 @@
                 <a:solidFill>
                   <a:srgbClr val="000000"/>
                 </a:solidFill>
-                <a:latin typeface="OpenSans-Bold" pitchFamily="34" charset="0"/>
                 <a:ea typeface="OpenSans-Bold" pitchFamily="34" charset="-122"/>
                 <a:cs typeface="OpenSans-Bold" pitchFamily="34" charset="-120"/>
               </a:rPr>
@@ -7341,7 +7266,6 @@
                 <a:solidFill>
                   <a:srgbClr val="000000"/>
                 </a:solidFill>
-                <a:latin typeface="OpenSans-Bold" pitchFamily="34" charset="0"/>
                 <a:ea typeface="OpenSans-Bold" pitchFamily="34" charset="-122"/>
                 <a:cs typeface="OpenSans-Bold" pitchFamily="34" charset="-120"/>
               </a:rPr>
@@ -7380,7 +7304,6 @@
                 <a:solidFill>
                   <a:srgbClr val="000000"/>
                 </a:solidFill>
-                <a:latin typeface="OpenSans-Regular" pitchFamily="34" charset="0"/>
                 <a:ea typeface="OpenSans-Regular" pitchFamily="34" charset="-122"/>
                 <a:cs typeface="OpenSans-Regular" pitchFamily="34" charset="-120"/>
               </a:rPr>
@@ -7535,7 +7458,6 @@
                 <a:solidFill>
                   <a:srgbClr val="333333"/>
                 </a:solidFill>
-                <a:latin typeface="OpenSans-Bold" pitchFamily="34" charset="0"/>
                 <a:ea typeface="OpenSans-Bold" pitchFamily="34" charset="-122"/>
                 <a:cs typeface="OpenSans-Bold" pitchFamily="34" charset="-120"/>
               </a:rPr>
@@ -7574,7 +7496,6 @@
                 <a:solidFill>
                   <a:srgbClr val="000000"/>
                 </a:solidFill>
-                <a:latin typeface="OpenSans-Bold" pitchFamily="34" charset="0"/>
                 <a:ea typeface="OpenSans-Bold" pitchFamily="34" charset="-122"/>
                 <a:cs typeface="OpenSans-Bold" pitchFamily="34" charset="-120"/>
               </a:rPr>
@@ -7613,7 +7534,6 @@
                 <a:solidFill>
                   <a:srgbClr val="000000"/>
                 </a:solidFill>
-                <a:latin typeface="OpenSans-Regular" pitchFamily="34" charset="0"/>
                 <a:ea typeface="OpenSans-Regular" pitchFamily="34" charset="-122"/>
                 <a:cs typeface="OpenSans-Regular" pitchFamily="34" charset="-120"/>
               </a:rPr>
@@ -7652,7 +7572,6 @@
                 <a:solidFill>
                   <a:srgbClr val="000000"/>
                 </a:solidFill>
-                <a:latin typeface="OpenSans-Bold" pitchFamily="34" charset="0"/>
                 <a:ea typeface="OpenSans-Bold" pitchFamily="34" charset="-122"/>
                 <a:cs typeface="OpenSans-Bold" pitchFamily="34" charset="-120"/>
               </a:rPr>
@@ -7691,7 +7610,6 @@
                 <a:solidFill>
                   <a:srgbClr val="000000"/>
                 </a:solidFill>
-                <a:latin typeface="OpenSans-Regular" pitchFamily="34" charset="0"/>
                 <a:ea typeface="OpenSans-Regular" pitchFamily="34" charset="-122"/>
                 <a:cs typeface="OpenSans-Regular" pitchFamily="34" charset="-120"/>
               </a:rPr>
@@ -7730,7 +7648,6 @@
                 <a:solidFill>
                   <a:srgbClr val="000000"/>
                 </a:solidFill>
-                <a:latin typeface="OpenSans-Bold" pitchFamily="34" charset="0"/>
                 <a:ea typeface="OpenSans-Bold" pitchFamily="34" charset="-122"/>
                 <a:cs typeface="OpenSans-Bold" pitchFamily="34" charset="-120"/>
               </a:rPr>
@@ -7769,7 +7686,6 @@
                 <a:solidFill>
                   <a:srgbClr val="000000"/>
                 </a:solidFill>
-                <a:latin typeface="OpenSans-Regular" pitchFamily="34" charset="0"/>
                 <a:ea typeface="OpenSans-Regular" pitchFamily="34" charset="-122"/>
                 <a:cs typeface="OpenSans-Regular" pitchFamily="34" charset="-120"/>
               </a:rPr>

--- a/Multimedia Content in E-commerce.pptx
+++ b/Multimedia Content in E-commerce.pptx
@@ -5,25 +5,23 @@
     <p:sldMasterId id="2147483648" r:id="rId1"/>
   </p:sldMasterIdLst>
   <p:notesMasterIdLst>
-    <p:notesMasterId r:id="rId18"/>
+    <p:notesMasterId r:id="rId16"/>
   </p:notesMasterIdLst>
   <p:sldIdLst>
     <p:sldId id="256" r:id="rId2"/>
-    <p:sldId id="257" r:id="rId3"/>
-    <p:sldId id="258" r:id="rId4"/>
-    <p:sldId id="260" r:id="rId5"/>
-    <p:sldId id="261" r:id="rId6"/>
-    <p:sldId id="262" r:id="rId7"/>
-    <p:sldId id="264" r:id="rId8"/>
-    <p:sldId id="259" r:id="rId9"/>
-    <p:sldId id="265" r:id="rId10"/>
-    <p:sldId id="266" r:id="rId11"/>
-    <p:sldId id="267" r:id="rId12"/>
-    <p:sldId id="269" r:id="rId13"/>
-    <p:sldId id="270" r:id="rId14"/>
-    <p:sldId id="271" r:id="rId15"/>
-    <p:sldId id="272" r:id="rId16"/>
-    <p:sldId id="274" r:id="rId17"/>
+    <p:sldId id="271" r:id="rId3"/>
+    <p:sldId id="272" r:id="rId4"/>
+    <p:sldId id="258" r:id="rId5"/>
+    <p:sldId id="260" r:id="rId6"/>
+    <p:sldId id="261" r:id="rId7"/>
+    <p:sldId id="262" r:id="rId8"/>
+    <p:sldId id="264" r:id="rId9"/>
+    <p:sldId id="259" r:id="rId10"/>
+    <p:sldId id="265" r:id="rId11"/>
+    <p:sldId id="266" r:id="rId12"/>
+    <p:sldId id="267" r:id="rId13"/>
+    <p:sldId id="269" r:id="rId14"/>
+    <p:sldId id="274" r:id="rId15"/>
   </p:sldIdLst>
   <p:sldSz cx="9144000" cy="5143500" type="screen16x9"/>
   <p:notesSz cx="5143500" cy="9144000"/>
@@ -756,174 +754,6 @@
 </p:notes>
 </file>
 
-<file path=ppt/notesSlides/notesSlide15.xml><?xml version="1.0" encoding="utf-8"?>
-<p:notes xmlns:a="http://schemas.openxmlformats.org/drawingml/2006/main" xmlns:r="http://schemas.openxmlformats.org/officeDocument/2006/relationships" xmlns:p="http://schemas.openxmlformats.org/presentationml/2006/main">
-  <p:cSld>
-    <p:spTree>
-      <p:nvGrpSpPr>
-        <p:cNvPr id="1" name=""/>
-        <p:cNvGrpSpPr/>
-        <p:nvPr/>
-      </p:nvGrpSpPr>
-      <p:grpSpPr>
-        <a:xfrm>
-          <a:off x="0" y="0"/>
-          <a:ext cx="0" cy="0"/>
-          <a:chOff x="0" y="0"/>
-          <a:chExt cx="0" cy="0"/>
-        </a:xfrm>
-      </p:grpSpPr>
-      <p:sp>
-        <p:nvSpPr>
-          <p:cNvPr id="2" name="Slide Image Placeholder 1"/>
-          <p:cNvSpPr>
-            <a:spLocks noGrp="1" noRot="1" noChangeAspect="1"/>
-          </p:cNvSpPr>
-          <p:nvPr>
-            <p:ph type="sldImg"/>
-          </p:nvPr>
-        </p:nvSpPr>
-        <p:spPr/>
-      </p:sp>
-      <p:sp>
-        <p:nvSpPr>
-          <p:cNvPr id="3" name="Notes Placeholder 2"/>
-          <p:cNvSpPr>
-            <a:spLocks noGrp="1"/>
-          </p:cNvSpPr>
-          <p:nvPr>
-            <p:ph type="body" idx="1"/>
-          </p:nvPr>
-        </p:nvSpPr>
-        <p:spPr/>
-        <p:txBody>
-          <a:bodyPr/>
-          <a:lstStyle/>
-          <a:p>
-            <a:endParaRPr lang="en-US" dirty="0"/>
-          </a:p>
-        </p:txBody>
-      </p:sp>
-      <p:sp>
-        <p:nvSpPr>
-          <p:cNvPr id="4" name="Slide Number Placeholder 3"/>
-          <p:cNvSpPr>
-            <a:spLocks noGrp="1"/>
-          </p:cNvSpPr>
-          <p:nvPr>
-            <p:ph type="sldNum" sz="quarter" idx="10"/>
-          </p:nvPr>
-        </p:nvSpPr>
-        <p:spPr/>
-        <p:txBody>
-          <a:bodyPr/>
-          <a:lstStyle/>
-          <a:p>
-            <a:fld id="{F7021451-1387-4CA6-816F-3879F97B5CBC}" type="slidenum">
-              <a:rPr lang="en-US"/>
-              <a:t>15</a:t>
-            </a:fld>
-            <a:endParaRPr lang="en-US"/>
-          </a:p>
-        </p:txBody>
-      </p:sp>
-    </p:spTree>
-    <p:extLst>
-      <p:ext uri="{BB962C8B-B14F-4D97-AF65-F5344CB8AC3E}">
-        <p14:creationId xmlns:p14="http://schemas.microsoft.com/office/powerpoint/2010/main" val="1024086991"/>
-      </p:ext>
-    </p:extLst>
-  </p:cSld>
-  <p:clrMapOvr>
-    <a:masterClrMapping/>
-  </p:clrMapOvr>
-</p:notes>
-</file>
-
-<file path=ppt/notesSlides/notesSlide16.xml><?xml version="1.0" encoding="utf-8"?>
-<p:notes xmlns:a="http://schemas.openxmlformats.org/drawingml/2006/main" xmlns:r="http://schemas.openxmlformats.org/officeDocument/2006/relationships" xmlns:p="http://schemas.openxmlformats.org/presentationml/2006/main">
-  <p:cSld>
-    <p:spTree>
-      <p:nvGrpSpPr>
-        <p:cNvPr id="1" name=""/>
-        <p:cNvGrpSpPr/>
-        <p:nvPr/>
-      </p:nvGrpSpPr>
-      <p:grpSpPr>
-        <a:xfrm>
-          <a:off x="0" y="0"/>
-          <a:ext cx="0" cy="0"/>
-          <a:chOff x="0" y="0"/>
-          <a:chExt cx="0" cy="0"/>
-        </a:xfrm>
-      </p:grpSpPr>
-      <p:sp>
-        <p:nvSpPr>
-          <p:cNvPr id="2" name="Slide Image Placeholder 1"/>
-          <p:cNvSpPr>
-            <a:spLocks noGrp="1" noRot="1" noChangeAspect="1"/>
-          </p:cNvSpPr>
-          <p:nvPr>
-            <p:ph type="sldImg"/>
-          </p:nvPr>
-        </p:nvSpPr>
-        <p:spPr/>
-      </p:sp>
-      <p:sp>
-        <p:nvSpPr>
-          <p:cNvPr id="3" name="Notes Placeholder 2"/>
-          <p:cNvSpPr>
-            <a:spLocks noGrp="1"/>
-          </p:cNvSpPr>
-          <p:nvPr>
-            <p:ph type="body" idx="1"/>
-          </p:nvPr>
-        </p:nvSpPr>
-        <p:spPr/>
-        <p:txBody>
-          <a:bodyPr/>
-          <a:lstStyle/>
-          <a:p>
-            <a:endParaRPr lang="en-US" dirty="0"/>
-          </a:p>
-        </p:txBody>
-      </p:sp>
-      <p:sp>
-        <p:nvSpPr>
-          <p:cNvPr id="4" name="Slide Number Placeholder 3"/>
-          <p:cNvSpPr>
-            <a:spLocks noGrp="1"/>
-          </p:cNvSpPr>
-          <p:nvPr>
-            <p:ph type="sldNum" sz="quarter" idx="10"/>
-          </p:nvPr>
-        </p:nvSpPr>
-        <p:spPr/>
-        <p:txBody>
-          <a:bodyPr/>
-          <a:lstStyle/>
-          <a:p>
-            <a:fld id="{F7021451-1387-4CA6-816F-3879F97B5CBC}" type="slidenum">
-              <a:rPr lang="en-US"/>
-              <a:t>16</a:t>
-            </a:fld>
-            <a:endParaRPr lang="en-US"/>
-          </a:p>
-        </p:txBody>
-      </p:sp>
-    </p:spTree>
-    <p:extLst>
-      <p:ext uri="{BB962C8B-B14F-4D97-AF65-F5344CB8AC3E}">
-        <p14:creationId xmlns:p14="http://schemas.microsoft.com/office/powerpoint/2010/main" val="1024086991"/>
-      </p:ext>
-    </p:extLst>
-  </p:cSld>
-  <p:clrMapOvr>
-    <a:masterClrMapping/>
-  </p:clrMapOvr>
-</p:notes>
-</file>
-
 <file path=ppt/notesSlides/notesSlide2.xml><?xml version="1.0" encoding="utf-8"?>
 <p:notes xmlns:a="http://schemas.openxmlformats.org/drawingml/2006/main" xmlns:r="http://schemas.openxmlformats.org/officeDocument/2006/relationships" xmlns:p="http://schemas.openxmlformats.org/presentationml/2006/main">
   <p:cSld>
@@ -2109,6 +1939,388 @@
 
 <file path=ppt/slides/slide10.xml><?xml version="1.0" encoding="utf-8"?>
 <p:sld xmlns:a="http://schemas.openxmlformats.org/drawingml/2006/main" xmlns:r="http://schemas.openxmlformats.org/officeDocument/2006/relationships" xmlns:p="http://schemas.openxmlformats.org/presentationml/2006/main">
+  <p:cSld name="Slide 10">
+    <p:spTree>
+      <p:nvGrpSpPr>
+        <p:cNvPr id="1" name=""/>
+        <p:cNvGrpSpPr/>
+        <p:nvPr/>
+      </p:nvGrpSpPr>
+      <p:grpSpPr>
+        <a:xfrm>
+          <a:off x="0" y="0"/>
+          <a:ext cx="0" cy="0"/>
+          <a:chOff x="0" y="0"/>
+          <a:chExt cx="0" cy="0"/>
+        </a:xfrm>
+      </p:grpSpPr>
+      <p:sp>
+        <p:nvSpPr>
+          <p:cNvPr id="2" name="StaticPath"/>
+          <p:cNvSpPr/>
+          <p:nvPr/>
+        </p:nvSpPr>
+        <p:spPr>
+          <a:xfrm>
+            <a:off x="7143750" y="0"/>
+            <a:ext cx="2000250" cy="5143500"/>
+          </a:xfrm>
+          <a:prstGeom prst="rect">
+            <a:avLst/>
+          </a:prstGeom>
+          <a:solidFill>
+            <a:srgbClr val="FF9800"/>
+          </a:solidFill>
+          <a:ln/>
+        </p:spPr>
+      </p:sp>
+      <p:sp>
+        <p:nvSpPr>
+          <p:cNvPr id="3" name="Title"/>
+          <p:cNvSpPr/>
+          <p:nvPr/>
+        </p:nvSpPr>
+        <p:spPr>
+          <a:xfrm>
+            <a:off x="1190625" y="357188"/>
+            <a:ext cx="5715000" cy="571500"/>
+          </a:xfrm>
+          <a:prstGeom prst="rect">
+            <a:avLst/>
+          </a:prstGeom>
+          <a:noFill/>
+          <a:ln/>
+        </p:spPr>
+        <p:txBody>
+          <a:bodyPr wrap="square" rtlCol="0" anchor="ctr"/>
+          <a:lstStyle/>
+          <a:p>
+            <a:pPr marL="0" indent="0" algn="l">
+              <a:buNone/>
+            </a:pPr>
+            <a:r>
+              <a:rPr lang="en-US" sz="1733" b="1" dirty="0">
+                <a:solidFill>
+                  <a:srgbClr val="333333"/>
+                </a:solidFill>
+                <a:ea typeface="OpenSans-Bold" pitchFamily="34" charset="-122"/>
+                <a:cs typeface="OpenSans-Bold" pitchFamily="34" charset="-120"/>
+              </a:rPr>
+              <a:t>Tools for Desktop Video Conferencing</a:t>
+            </a:r>
+            <a:endParaRPr lang="en-US" sz="1733" dirty="0"/>
+          </a:p>
+        </p:txBody>
+      </p:sp>
+      <p:sp>
+        <p:nvSpPr>
+          <p:cNvPr id="4" name="Subtitle 1"/>
+          <p:cNvSpPr/>
+          <p:nvPr/>
+        </p:nvSpPr>
+        <p:spPr>
+          <a:xfrm>
+            <a:off x="714375" y="1190625"/>
+            <a:ext cx="5238750" cy="1428750"/>
+          </a:xfrm>
+          <a:prstGeom prst="rect">
+            <a:avLst/>
+          </a:prstGeom>
+          <a:noFill/>
+          <a:ln/>
+        </p:spPr>
+        <p:txBody>
+          <a:bodyPr wrap="square" rtlCol="0" anchor="ctr"/>
+          <a:lstStyle/>
+          <a:p>
+            <a:pPr marL="0" indent="0" algn="l">
+              <a:buNone/>
+            </a:pPr>
+            <a:r>
+              <a:rPr lang="en-US" sz="1500" b="1" dirty="0">
+                <a:solidFill>
+                  <a:srgbClr val="000000"/>
+                </a:solidFill>
+                <a:ea typeface="OpenSans-Bold" pitchFamily="34" charset="-122"/>
+                <a:cs typeface="OpenSans-Bold" pitchFamily="34" charset="-120"/>
+              </a:rPr>
+              <a:t>Popular Platforms</a:t>
+            </a:r>
+            <a:endParaRPr lang="en-US" sz="1500" dirty="0"/>
+          </a:p>
+        </p:txBody>
+      </p:sp>
+      <p:sp>
+        <p:nvSpPr>
+          <p:cNvPr id="5" name="Paragraph 1"/>
+          <p:cNvSpPr/>
+          <p:nvPr/>
+        </p:nvSpPr>
+        <p:spPr>
+          <a:xfrm>
+            <a:off x="714375" y="1571625"/>
+            <a:ext cx="5238750" cy="1428750"/>
+          </a:xfrm>
+          <a:prstGeom prst="rect">
+            <a:avLst/>
+          </a:prstGeom>
+          <a:noFill/>
+          <a:ln/>
+        </p:spPr>
+        <p:txBody>
+          <a:bodyPr wrap="square" rtlCol="0" anchor="ctr"/>
+          <a:lstStyle/>
+          <a:p>
+            <a:pPr marL="0" indent="0" algn="l">
+              <a:buNone/>
+            </a:pPr>
+            <a:r>
+              <a:rPr lang="en-US" sz="1367" dirty="0">
+                <a:solidFill>
+                  <a:srgbClr val="000000"/>
+                </a:solidFill>
+                <a:ea typeface="OpenSans-Regular" pitchFamily="34" charset="-122"/>
+                <a:cs typeface="OpenSans-Regular" pitchFamily="34" charset="-120"/>
+              </a:rPr>
+              <a:t>Common tools include Zoom, Microsoft Teams, and Google Meet, widely used for e-commerce and communication needs.</a:t>
+            </a:r>
+            <a:endParaRPr lang="en-US" sz="1367" dirty="0"/>
+          </a:p>
+        </p:txBody>
+      </p:sp>
+      <p:sp>
+        <p:nvSpPr>
+          <p:cNvPr id="6" name="Subtitle 2"/>
+          <p:cNvSpPr/>
+          <p:nvPr/>
+        </p:nvSpPr>
+        <p:spPr>
+          <a:xfrm>
+            <a:off x="714375" y="2524125"/>
+            <a:ext cx="5238750" cy="1428750"/>
+          </a:xfrm>
+          <a:prstGeom prst="rect">
+            <a:avLst/>
+          </a:prstGeom>
+          <a:noFill/>
+          <a:ln/>
+        </p:spPr>
+        <p:txBody>
+          <a:bodyPr wrap="square" rtlCol="0" anchor="ctr"/>
+          <a:lstStyle/>
+          <a:p>
+            <a:pPr marL="0" indent="0" algn="l">
+              <a:buNone/>
+            </a:pPr>
+            <a:r>
+              <a:rPr lang="en-US" sz="1500" b="1" dirty="0">
+                <a:solidFill>
+                  <a:srgbClr val="000000"/>
+                </a:solidFill>
+                <a:ea typeface="OpenSans-Bold" pitchFamily="34" charset="-122"/>
+                <a:cs typeface="OpenSans-Bold" pitchFamily="34" charset="-120"/>
+              </a:rPr>
+              <a:t>Advanced Features</a:t>
+            </a:r>
+            <a:endParaRPr lang="en-US" sz="1500" dirty="0"/>
+          </a:p>
+        </p:txBody>
+      </p:sp>
+      <p:sp>
+        <p:nvSpPr>
+          <p:cNvPr id="7" name="Paragraph 2"/>
+          <p:cNvSpPr/>
+          <p:nvPr/>
+        </p:nvSpPr>
+        <p:spPr>
+          <a:xfrm>
+            <a:off x="714375" y="2905125"/>
+            <a:ext cx="5238750" cy="1428750"/>
+          </a:xfrm>
+          <a:prstGeom prst="rect">
+            <a:avLst/>
+          </a:prstGeom>
+          <a:noFill/>
+          <a:ln/>
+        </p:spPr>
+        <p:txBody>
+          <a:bodyPr wrap="square" rtlCol="0" anchor="ctr"/>
+          <a:lstStyle/>
+          <a:p>
+            <a:pPr marL="0" indent="0" algn="l">
+              <a:buNone/>
+            </a:pPr>
+            <a:r>
+              <a:rPr lang="en-US" sz="1367" dirty="0">
+                <a:solidFill>
+                  <a:srgbClr val="000000"/>
+                </a:solidFill>
+                <a:ea typeface="OpenSans-Regular" pitchFamily="34" charset="-122"/>
+                <a:cs typeface="OpenSans-Regular" pitchFamily="34" charset="-120"/>
+              </a:rPr>
+              <a:t>Platforms offer screen sharing, virtual backgrounds, and live transcription for enhanced usability.</a:t>
+            </a:r>
+            <a:endParaRPr lang="en-US" sz="1367" dirty="0"/>
+          </a:p>
+        </p:txBody>
+      </p:sp>
+      <p:sp>
+        <p:nvSpPr>
+          <p:cNvPr id="8" name="Subtitle 3"/>
+          <p:cNvSpPr/>
+          <p:nvPr/>
+        </p:nvSpPr>
+        <p:spPr>
+          <a:xfrm>
+            <a:off x="714375" y="3619500"/>
+            <a:ext cx="5238750" cy="1428750"/>
+          </a:xfrm>
+          <a:prstGeom prst="rect">
+            <a:avLst/>
+          </a:prstGeom>
+          <a:noFill/>
+          <a:ln/>
+        </p:spPr>
+        <p:txBody>
+          <a:bodyPr wrap="square" rtlCol="0" anchor="ctr"/>
+          <a:lstStyle/>
+          <a:p>
+            <a:pPr marL="0" indent="0" algn="l">
+              <a:buNone/>
+            </a:pPr>
+            <a:r>
+              <a:rPr lang="en-US" sz="1500" b="1" dirty="0">
+                <a:solidFill>
+                  <a:srgbClr val="000000"/>
+                </a:solidFill>
+                <a:ea typeface="OpenSans-Bold" pitchFamily="34" charset="-122"/>
+                <a:cs typeface="OpenSans-Bold" pitchFamily="34" charset="-120"/>
+              </a:rPr>
+              <a:t>Custom Solutions</a:t>
+            </a:r>
+            <a:endParaRPr lang="en-US" sz="1500" dirty="0"/>
+          </a:p>
+        </p:txBody>
+      </p:sp>
+      <p:sp>
+        <p:nvSpPr>
+          <p:cNvPr id="9" name="Paragraph 3"/>
+          <p:cNvSpPr/>
+          <p:nvPr/>
+        </p:nvSpPr>
+        <p:spPr>
+          <a:xfrm>
+            <a:off x="714375" y="4000500"/>
+            <a:ext cx="5238750" cy="1428750"/>
+          </a:xfrm>
+          <a:prstGeom prst="rect">
+            <a:avLst/>
+          </a:prstGeom>
+          <a:noFill/>
+          <a:ln/>
+        </p:spPr>
+        <p:txBody>
+          <a:bodyPr wrap="square" rtlCol="0" anchor="ctr"/>
+          <a:lstStyle/>
+          <a:p>
+            <a:pPr marL="0" indent="0" algn="l">
+              <a:buNone/>
+            </a:pPr>
+            <a:r>
+              <a:rPr lang="en-US" sz="1367" dirty="0">
+                <a:solidFill>
+                  <a:srgbClr val="000000"/>
+                </a:solidFill>
+                <a:ea typeface="OpenSans-Regular" pitchFamily="34" charset="-122"/>
+                <a:cs typeface="OpenSans-Regular" pitchFamily="34" charset="-120"/>
+              </a:rPr>
+              <a:t>Some businesses develop custom conferencing tools tailored to specific e-commerce requirements.</a:t>
+            </a:r>
+            <a:endParaRPr lang="en-US" sz="1367" dirty="0"/>
+          </a:p>
+        </p:txBody>
+      </p:sp>
+      <p:pic>
+        <p:nvPicPr>
+          <p:cNvPr id="10" name="Image" descr="preencoded.png"/>
+          <p:cNvPicPr>
+            <a:picLocks noChangeAspect="1"/>
+          </p:cNvPicPr>
+          <p:nvPr/>
+        </p:nvPicPr>
+        <p:blipFill>
+          <a:blip r:embed="rId3"/>
+          <a:stretch>
+            <a:fillRect/>
+          </a:stretch>
+        </p:blipFill>
+        <p:spPr>
+          <a:xfrm>
+            <a:off x="6238875" y="1333500"/>
+            <a:ext cx="2476500" cy="2476500"/>
+          </a:xfrm>
+          <a:prstGeom prst="rect">
+            <a:avLst/>
+          </a:prstGeom>
+        </p:spPr>
+      </p:pic>
+      <p:sp>
+        <p:nvSpPr>
+          <p:cNvPr id="11" name="StaticPath"/>
+          <p:cNvSpPr/>
+          <p:nvPr/>
+        </p:nvSpPr>
+        <p:spPr>
+          <a:xfrm>
+            <a:off x="-1309687" y="3810000"/>
+            <a:ext cx="1737360" cy="1737360"/>
+          </a:xfrm>
+          <a:prstGeom prst="ellipse">
+            <a:avLst/>
+          </a:prstGeom>
+          <a:solidFill>
+            <a:srgbClr val="000000">
+              <a:alpha val="0"/>
+            </a:srgbClr>
+          </a:solidFill>
+          <a:ln w="211667">
+            <a:solidFill>
+              <a:srgbClr val="FF9800"/>
+            </a:solidFill>
+            <a:prstDash val="solid"/>
+          </a:ln>
+        </p:spPr>
+      </p:sp>
+      <p:sp>
+        <p:nvSpPr>
+          <p:cNvPr id="12" name="StaticPath"/>
+          <p:cNvSpPr/>
+          <p:nvPr/>
+        </p:nvSpPr>
+        <p:spPr>
+          <a:xfrm>
+            <a:off x="285750" y="204788"/>
+            <a:ext cx="482918" cy="482917"/>
+          </a:xfrm>
+          <a:prstGeom prst="ellipse">
+            <a:avLst/>
+          </a:prstGeom>
+          <a:solidFill>
+            <a:srgbClr val="000000"/>
+          </a:solidFill>
+          <a:ln/>
+        </p:spPr>
+      </p:sp>
+    </p:spTree>
+  </p:cSld>
+  <p:clrMapOvr>
+    <a:masterClrMapping/>
+  </p:clrMapOvr>
+</p:sld>
+</file>
+
+<file path=ppt/slides/slide11.xml><?xml version="1.0" encoding="utf-8"?>
+<p:sld xmlns:a="http://schemas.openxmlformats.org/drawingml/2006/main" xmlns:r="http://schemas.openxmlformats.org/officeDocument/2006/relationships" xmlns:p="http://schemas.openxmlformats.org/presentationml/2006/main">
   <p:cSld name="Slide 11">
     <p:spTree>
       <p:nvGrpSpPr>
@@ -2475,7 +2687,7 @@
 </p:sld>
 </file>
 
-<file path=ppt/slides/slide11.xml><?xml version="1.0" encoding="utf-8"?>
+<file path=ppt/slides/slide12.xml><?xml version="1.0" encoding="utf-8"?>
 <p:sld xmlns:a="http://schemas.openxmlformats.org/drawingml/2006/main" xmlns:r="http://schemas.openxmlformats.org/officeDocument/2006/relationships" xmlns:p="http://schemas.openxmlformats.org/presentationml/2006/main">
   <p:cSld name="Slide 12">
     <p:spTree>
@@ -2843,7 +3055,7 @@
 </p:sld>
 </file>
 
-<file path=ppt/slides/slide12.xml><?xml version="1.0" encoding="utf-8"?>
+<file path=ppt/slides/slide13.xml><?xml version="1.0" encoding="utf-8"?>
 <p:sld xmlns:a="http://schemas.openxmlformats.org/drawingml/2006/main" xmlns:r="http://schemas.openxmlformats.org/officeDocument/2006/relationships" xmlns:p="http://schemas.openxmlformats.org/presentationml/2006/main">
   <p:cSld name="Slide 14">
     <p:spTree>
@@ -3218,9 +3430,9 @@
 </p:sld>
 </file>
 
-<file path=ppt/slides/slide13.xml><?xml version="1.0" encoding="utf-8"?>
+<file path=ppt/slides/slide14.xml><?xml version="1.0" encoding="utf-8"?>
 <p:sld xmlns:a="http://schemas.openxmlformats.org/drawingml/2006/main" xmlns:r="http://schemas.openxmlformats.org/officeDocument/2006/relationships" xmlns:p="http://schemas.openxmlformats.org/presentationml/2006/main">
-  <p:cSld name="Slide 15">
+  <p:cSld name="Slide 19">
     <p:spTree>
       <p:nvGrpSpPr>
         <p:cNvPr id="1" name=""/>
@@ -3243,23 +3455,18 @@
         </p:nvSpPr>
         <p:spPr>
           <a:xfrm>
-            <a:off x="120206" y="0"/>
-            <a:ext cx="902970" cy="902970"/>
+            <a:off x="2056019" y="-1222724"/>
+            <a:ext cx="5032058" cy="5032058"/>
           </a:xfrm>
           <a:prstGeom prst="ellipse">
             <a:avLst/>
           </a:prstGeom>
           <a:solidFill>
             <a:srgbClr val="000000">
-              <a:alpha val="0"/>
+              <a:alpha val="6000"/>
             </a:srgbClr>
           </a:solidFill>
-          <a:ln w="169333">
-            <a:solidFill>
-              <a:srgbClr val="FF9800"/>
-            </a:solidFill>
-            <a:prstDash val="solid"/>
-          </a:ln>
+          <a:ln/>
         </p:spPr>
       </p:sp>
       <p:sp>
@@ -3270,8 +3477,8 @@
         </p:nvSpPr>
         <p:spPr>
           <a:xfrm>
-            <a:off x="2428875" y="274987"/>
-            <a:ext cx="4286250" cy="543544"/>
+            <a:off x="758381" y="2122408"/>
+            <a:ext cx="7620000" cy="898731"/>
           </a:xfrm>
           <a:prstGeom prst="rect">
             <a:avLst/>
@@ -3287,16 +3494,16 @@
               <a:buNone/>
             </a:pPr>
             <a:r>
-              <a:rPr lang="en-US" sz="1878" b="1" dirty="0">
+              <a:rPr lang="en-US" sz="5733" b="1" dirty="0">
                 <a:solidFill>
                   <a:srgbClr val="000000"/>
                 </a:solidFill>
                 <a:ea typeface="OpenSans-Bold" pitchFamily="34" charset="-122"/>
                 <a:cs typeface="OpenSans-Bold" pitchFamily="34" charset="-120"/>
               </a:rPr>
-              <a:t>Comparison of Video Processing &amp; Conferencing</a:t>
-            </a:r>
-            <a:endParaRPr lang="en-US" sz="1878" dirty="0"/>
+              <a:t>Thank You</a:t>
+            </a:r>
+            <a:endParaRPr lang="en-US" sz="5733" dirty="0"/>
           </a:p>
         </p:txBody>
       </p:sp>
@@ -3308,38 +3515,20 @@
         </p:nvSpPr>
         <p:spPr>
           <a:xfrm>
-            <a:off x="8304324" y="214312"/>
-            <a:ext cx="602933" cy="602933"/>
+            <a:off x="7190137" y="3357658"/>
+            <a:ext cx="2394585" cy="2394585"/>
           </a:xfrm>
           <a:prstGeom prst="ellipse">
             <a:avLst/>
           </a:prstGeom>
           <a:solidFill>
-            <a:srgbClr val="FF9800"/>
-          </a:solidFill>
-          <a:ln/>
-        </p:spPr>
-      </p:sp>
-      <p:sp>
-        <p:nvSpPr>
-          <p:cNvPr id="5" name="StaticPath"/>
-          <p:cNvSpPr/>
-          <p:nvPr/>
-        </p:nvSpPr>
-        <p:spPr>
-          <a:xfrm>
-            <a:off x="482679" y="1202627"/>
-            <a:ext cx="2271713" cy="1594485"/>
-          </a:xfrm>
-          <a:prstGeom prst="rect">
-            <a:avLst/>
-          </a:prstGeom>
-          <a:solidFill>
-            <a:srgbClr val="FF9800"/>
-          </a:solidFill>
-          <a:ln w="12700">
+            <a:srgbClr val="000000">
+              <a:alpha val="0"/>
+            </a:srgbClr>
+          </a:solidFill>
+          <a:ln w="423333">
             <a:solidFill>
-              <a:srgbClr val="000000"/>
+              <a:srgbClr val="FF9800"/>
             </a:solidFill>
             <a:prstDash val="solid"/>
           </a:ln>
@@ -3347,24 +3536,26 @@
       </p:sp>
       <p:sp>
         <p:nvSpPr>
-          <p:cNvPr id="6" name="StaticPath"/>
-          <p:cNvSpPr/>
-          <p:nvPr/>
-        </p:nvSpPr>
-        <p:spPr>
-          <a:xfrm>
-            <a:off x="3426952" y="1202627"/>
-            <a:ext cx="2271713" cy="1594485"/>
-          </a:xfrm>
-          <a:prstGeom prst="rect">
-            <a:avLst/>
-          </a:prstGeom>
-          <a:solidFill>
-            <a:srgbClr val="FF9800"/>
-          </a:solidFill>
-          <a:ln w="12700">
+          <p:cNvPr id="5" name="StaticPath"/>
+          <p:cNvSpPr/>
+          <p:nvPr/>
+        </p:nvSpPr>
+        <p:spPr>
+          <a:xfrm>
+            <a:off x="-957929" y="-1222724"/>
+            <a:ext cx="1991678" cy="1991677"/>
+          </a:xfrm>
+          <a:prstGeom prst="ellipse">
+            <a:avLst/>
+          </a:prstGeom>
+          <a:solidFill>
+            <a:srgbClr val="000000">
+              <a:alpha val="0"/>
+            </a:srgbClr>
+          </a:solidFill>
+          <a:ln w="423333">
             <a:solidFill>
-              <a:srgbClr val="000000"/>
+              <a:srgbClr val="FF9800"/>
             </a:solidFill>
             <a:prstDash val="solid"/>
           </a:ln>
@@ -3372,288 +3563,56 @@
       </p:sp>
       <p:sp>
         <p:nvSpPr>
+          <p:cNvPr id="6" name="StaticPath"/>
+          <p:cNvSpPr/>
+          <p:nvPr/>
+        </p:nvSpPr>
+        <p:spPr>
+          <a:xfrm>
+            <a:off x="303609" y="4340114"/>
+            <a:ext cx="571500" cy="571500"/>
+          </a:xfrm>
+          <a:prstGeom prst="ellipse">
+            <a:avLst/>
+          </a:prstGeom>
+          <a:solidFill>
+            <a:srgbClr val="000000"/>
+          </a:solidFill>
+          <a:ln/>
+        </p:spPr>
+      </p:sp>
+      <p:sp>
+        <p:nvSpPr>
           <p:cNvPr id="7" name="StaticPath"/>
           <p:cNvSpPr/>
           <p:nvPr/>
         </p:nvSpPr>
         <p:spPr>
           <a:xfrm>
-            <a:off x="6362890" y="1202627"/>
-            <a:ext cx="2271713" cy="1594485"/>
-          </a:xfrm>
-          <a:prstGeom prst="rect">
-            <a:avLst/>
-          </a:prstGeom>
-          <a:solidFill>
-            <a:srgbClr val="FF9800"/>
-          </a:solidFill>
-          <a:ln w="12700">
-            <a:solidFill>
-              <a:srgbClr val="000000"/>
-            </a:solidFill>
-            <a:prstDash val="solid"/>
-          </a:ln>
-        </p:spPr>
-      </p:sp>
-      <p:sp>
-        <p:nvSpPr>
-          <p:cNvPr id="8" name="Form title 1"/>
-          <p:cNvSpPr/>
-          <p:nvPr/>
-        </p:nvSpPr>
-        <p:spPr>
-          <a:xfrm>
-            <a:off x="588264" y="1684591"/>
-            <a:ext cx="2065828" cy="606186"/>
-          </a:xfrm>
-          <a:prstGeom prst="rect">
-            <a:avLst/>
-          </a:prstGeom>
-          <a:noFill/>
-          <a:ln/>
-        </p:spPr>
-        <p:txBody>
-          <a:bodyPr wrap="square" rtlCol="0" anchor="ctr"/>
-          <a:lstStyle/>
-          <a:p>
-            <a:pPr marL="0" indent="0" algn="ctr">
-              <a:buNone/>
-            </a:pPr>
-            <a:r>
-              <a:rPr lang="en-US" sz="2300" b="1" dirty="0">
-                <a:solidFill>
-                  <a:srgbClr val="000000"/>
-                </a:solidFill>
-                <a:ea typeface="OpenSans-Bold" pitchFamily="34" charset="-122"/>
-                <a:cs typeface="OpenSans-Bold" pitchFamily="34" charset="-120"/>
-              </a:rPr>
-              <a:t>Similarities</a:t>
-            </a:r>
-            <a:endParaRPr lang="en-US" sz="2300" dirty="0"/>
-          </a:p>
-        </p:txBody>
-      </p:sp>
-      <p:sp>
-        <p:nvSpPr>
-          <p:cNvPr id="9" name="Form title 2"/>
-          <p:cNvSpPr/>
-          <p:nvPr/>
-        </p:nvSpPr>
-        <p:spPr>
-          <a:xfrm>
-            <a:off x="3532584" y="1703975"/>
-            <a:ext cx="2065828" cy="606186"/>
-          </a:xfrm>
-          <a:prstGeom prst="rect">
-            <a:avLst/>
-          </a:prstGeom>
-          <a:noFill/>
-          <a:ln/>
-        </p:spPr>
-        <p:txBody>
-          <a:bodyPr wrap="square" rtlCol="0" anchor="ctr"/>
-          <a:lstStyle/>
-          <a:p>
-            <a:pPr marL="0" indent="0" algn="ctr">
-              <a:buNone/>
-            </a:pPr>
-            <a:r>
-              <a:rPr lang="en-US" sz="2300" b="1" dirty="0">
-                <a:solidFill>
-                  <a:srgbClr val="000000"/>
-                </a:solidFill>
-                <a:ea typeface="OpenSans-Bold" pitchFamily="34" charset="-122"/>
-                <a:cs typeface="OpenSans-Bold" pitchFamily="34" charset="-120"/>
-              </a:rPr>
-              <a:t>Differences</a:t>
-            </a:r>
-            <a:endParaRPr lang="en-US" sz="2300" dirty="0"/>
-          </a:p>
-        </p:txBody>
-      </p:sp>
-      <p:sp>
-        <p:nvSpPr>
-          <p:cNvPr id="10" name="Form title 3"/>
-          <p:cNvSpPr/>
-          <p:nvPr/>
-        </p:nvSpPr>
-        <p:spPr>
-          <a:xfrm>
-            <a:off x="6471904" y="1697926"/>
-            <a:ext cx="2065828" cy="606186"/>
-          </a:xfrm>
-          <a:prstGeom prst="rect">
-            <a:avLst/>
-          </a:prstGeom>
-          <a:noFill/>
-          <a:ln/>
-        </p:spPr>
-        <p:txBody>
-          <a:bodyPr wrap="square" rtlCol="0" anchor="ctr"/>
-          <a:lstStyle/>
-          <a:p>
-            <a:pPr marL="0" indent="0" algn="ctr">
-              <a:buNone/>
-            </a:pPr>
-            <a:r>
-              <a:rPr lang="en-US" sz="2300" b="1" dirty="0">
-                <a:solidFill>
-                  <a:srgbClr val="000000"/>
-                </a:solidFill>
-                <a:ea typeface="OpenSans-Bold" pitchFamily="34" charset="-122"/>
-                <a:cs typeface="OpenSans-Bold" pitchFamily="34" charset="-120"/>
-              </a:rPr>
-              <a:t>Impact</a:t>
-            </a:r>
-            <a:endParaRPr lang="en-US" sz="2300" dirty="0"/>
-          </a:p>
-        </p:txBody>
-      </p:sp>
-      <p:sp>
-        <p:nvSpPr>
-          <p:cNvPr id="11" name="Form text 1"/>
-          <p:cNvSpPr/>
-          <p:nvPr/>
-        </p:nvSpPr>
-        <p:spPr>
-          <a:xfrm>
-            <a:off x="370665" y="3044857"/>
-            <a:ext cx="2510028" cy="1392650"/>
-          </a:xfrm>
-          <a:prstGeom prst="rect">
-            <a:avLst/>
-          </a:prstGeom>
-          <a:noFill/>
-          <a:ln/>
-        </p:spPr>
-        <p:txBody>
-          <a:bodyPr wrap="square" rtlCol="0" anchor="ctr"/>
-          <a:lstStyle/>
-          <a:p>
-            <a:pPr marL="0" indent="0" algn="ctr">
-              <a:buNone/>
-            </a:pPr>
-            <a:r>
-              <a:rPr lang="en-US" sz="1300" dirty="0"/>
-              <a:t>Both improve user engagement in e-commerce and require multimedia tools for effective implementation.</a:t>
-            </a:r>
-          </a:p>
-        </p:txBody>
-      </p:sp>
-      <p:sp>
-        <p:nvSpPr>
-          <p:cNvPr id="12" name="Form text 2"/>
-          <p:cNvSpPr/>
-          <p:nvPr/>
-        </p:nvSpPr>
-        <p:spPr>
-          <a:xfrm>
-            <a:off x="3278743" y="3061335"/>
-            <a:ext cx="2586561" cy="1322832"/>
-          </a:xfrm>
-          <a:prstGeom prst="rect">
-            <a:avLst/>
-          </a:prstGeom>
-          <a:noFill/>
-          <a:ln/>
-        </p:spPr>
-        <p:txBody>
-          <a:bodyPr wrap="square" rtlCol="0" anchor="ctr"/>
-          <a:lstStyle/>
-          <a:p>
-            <a:pPr marL="0" indent="0" algn="ctr">
-              <a:buNone/>
-            </a:pPr>
-            <a:r>
-              <a:rPr lang="en-US" sz="1300" dirty="0"/>
-              <a:t>Video processing focuses on content creation while conferencing emphasizes real-time communication.</a:t>
-            </a:r>
-          </a:p>
-        </p:txBody>
-      </p:sp>
-      <p:sp>
-        <p:nvSpPr>
-          <p:cNvPr id="13" name="Form text 3"/>
-          <p:cNvSpPr/>
-          <p:nvPr/>
-        </p:nvSpPr>
-        <p:spPr>
-          <a:xfrm>
-            <a:off x="6208871" y="3032188"/>
-            <a:ext cx="2594086" cy="1318498"/>
-          </a:xfrm>
-          <a:prstGeom prst="rect">
-            <a:avLst/>
-          </a:prstGeom>
-          <a:noFill/>
-          <a:ln/>
-        </p:spPr>
-        <p:txBody>
-          <a:bodyPr wrap="square" rtlCol="0" anchor="ctr"/>
-          <a:lstStyle/>
-          <a:p>
-            <a:pPr marL="0" indent="0" algn="ctr">
-              <a:buNone/>
-            </a:pPr>
-            <a:r>
-              <a:rPr lang="en-US" sz="1300" dirty="0"/>
-              <a:t>Together, they enhance customer interaction and create immersive e-commerce experiences.</a:t>
-            </a:r>
-          </a:p>
-        </p:txBody>
-      </p:sp>
-      <p:sp>
-        <p:nvSpPr>
-          <p:cNvPr id="14" name="StaticPath"/>
-          <p:cNvSpPr/>
-          <p:nvPr/>
-        </p:nvSpPr>
-        <p:spPr>
-          <a:xfrm>
-            <a:off x="782002" y="4619625"/>
-            <a:ext cx="1685925" cy="71438"/>
-          </a:xfrm>
-          <a:prstGeom prst="rect">
-            <a:avLst/>
-          </a:prstGeom>
-          <a:solidFill>
-            <a:srgbClr val="FF9800"/>
-          </a:solidFill>
-          <a:ln/>
-        </p:spPr>
-      </p:sp>
-      <p:sp>
-        <p:nvSpPr>
-          <p:cNvPr id="15" name="StaticPath"/>
-          <p:cNvSpPr/>
-          <p:nvPr/>
-        </p:nvSpPr>
-        <p:spPr>
-          <a:xfrm>
-            <a:off x="3729038" y="4619625"/>
-            <a:ext cx="1685925" cy="71438"/>
-          </a:xfrm>
-          <a:prstGeom prst="rect">
-            <a:avLst/>
-          </a:prstGeom>
-          <a:solidFill>
-            <a:srgbClr val="FF9800"/>
-          </a:solidFill>
-          <a:ln/>
-        </p:spPr>
-      </p:sp>
-      <p:sp>
-        <p:nvSpPr>
-          <p:cNvPr id="16" name="StaticPath"/>
-          <p:cNvSpPr/>
-          <p:nvPr/>
-        </p:nvSpPr>
-        <p:spPr>
-          <a:xfrm>
-            <a:off x="6662928" y="4619625"/>
-            <a:ext cx="1685925" cy="71438"/>
-          </a:xfrm>
-          <a:prstGeom prst="rect">
+            <a:off x="939165" y="4348163"/>
+            <a:ext cx="571500" cy="571500"/>
+          </a:xfrm>
+          <a:prstGeom prst="ellipse">
+            <a:avLst/>
+          </a:prstGeom>
+          <a:solidFill>
+            <a:srgbClr val="000000"/>
+          </a:solidFill>
+          <a:ln/>
+        </p:spPr>
+      </p:sp>
+      <p:sp>
+        <p:nvSpPr>
+          <p:cNvPr id="8" name="StaticPath"/>
+          <p:cNvSpPr/>
+          <p:nvPr/>
+        </p:nvSpPr>
+        <p:spPr>
+          <a:xfrm>
+            <a:off x="620268" y="4338923"/>
+            <a:ext cx="571500" cy="571500"/>
+          </a:xfrm>
+          <a:prstGeom prst="ellipse">
             <a:avLst/>
           </a:prstGeom>
           <a:solidFill>
@@ -3670,7 +3629,7 @@
 </p:sld>
 </file>
 
-<file path=ppt/slides/slide14.xml><?xml version="1.0" encoding="utf-8"?>
+<file path=ppt/slides/slide2.xml><?xml version="1.0" encoding="utf-8"?>
 <p:sld xmlns:a="http://schemas.openxmlformats.org/drawingml/2006/main" xmlns:r="http://schemas.openxmlformats.org/officeDocument/2006/relationships" xmlns:p="http://schemas.openxmlformats.org/presentationml/2006/main">
   <p:cSld name="Slide 16">
     <p:spTree>
@@ -3890,9 +3849,42 @@
           <a:ln/>
         </p:spPr>
       </p:sp>
+      <p:sp>
+        <p:nvSpPr>
+          <p:cNvPr id="10" name="StaticPath"/>
+          <p:cNvSpPr/>
+          <p:nvPr/>
+        </p:nvSpPr>
+        <p:spPr>
+          <a:xfrm>
+            <a:off x="7188327" y="-1904238"/>
+            <a:ext cx="2694623" cy="2694623"/>
+          </a:xfrm>
+          <a:prstGeom prst="ellipse">
+            <a:avLst/>
+          </a:prstGeom>
+          <a:solidFill>
+            <a:srgbClr val="000000">
+              <a:alpha val="0"/>
+            </a:srgbClr>
+          </a:solidFill>
+          <a:ln w="423333">
+            <a:solidFill>
+              <a:srgbClr val="FF9800"/>
+            </a:solidFill>
+            <a:prstDash val="solid"/>
+          </a:ln>
+        </p:spPr>
+      </p:sp>
       <p:pic>
         <p:nvPicPr>
-          <p:cNvPr id="9" name="Image" descr="preencoded.png"/>
+          <p:cNvPr id="12" name="Picture 11">
+            <a:extLst>
+              <a:ext uri="{FF2B5EF4-FFF2-40B4-BE49-F238E27FC236}">
+                <a16:creationId xmlns:a16="http://schemas.microsoft.com/office/drawing/2014/main" id="{4F203BDF-83CC-E5EF-B975-E39AE2ACEADC}"/>
+              </a:ext>
+            </a:extLst>
+          </p:cNvPr>
           <p:cNvPicPr>
             <a:picLocks noChangeAspect="1"/>
           </p:cNvPicPr>
@@ -3906,41 +3898,14 @@
         </p:blipFill>
         <p:spPr>
           <a:xfrm>
-            <a:off x="6136958" y="1601962"/>
-            <a:ext cx="2909888" cy="2909888"/>
+            <a:off x="5786138" y="1698935"/>
+            <a:ext cx="3074670" cy="1721815"/>
           </a:xfrm>
           <a:prstGeom prst="rect">
             <a:avLst/>
           </a:prstGeom>
         </p:spPr>
       </p:pic>
-      <p:sp>
-        <p:nvSpPr>
-          <p:cNvPr id="10" name="StaticPath"/>
-          <p:cNvSpPr/>
-          <p:nvPr/>
-        </p:nvSpPr>
-        <p:spPr>
-          <a:xfrm>
-            <a:off x="7188327" y="-1904238"/>
-            <a:ext cx="2694623" cy="2694623"/>
-          </a:xfrm>
-          <a:prstGeom prst="ellipse">
-            <a:avLst/>
-          </a:prstGeom>
-          <a:solidFill>
-            <a:srgbClr val="000000">
-              <a:alpha val="0"/>
-            </a:srgbClr>
-          </a:solidFill>
-          <a:ln w="423333">
-            <a:solidFill>
-              <a:srgbClr val="FF9800"/>
-            </a:solidFill>
-            <a:prstDash val="solid"/>
-          </a:ln>
-        </p:spPr>
-      </p:sp>
     </p:spTree>
   </p:cSld>
   <p:clrMapOvr>
@@ -3949,7 +3914,7 @@
 </p:sld>
 </file>
 
-<file path=ppt/slides/slide15.xml><?xml version="1.0" encoding="utf-8"?>
+<file path=ppt/slides/slide3.xml><?xml version="1.0" encoding="utf-8"?>
 <p:sld xmlns:a="http://schemas.openxmlformats.org/drawingml/2006/main" xmlns:r="http://schemas.openxmlformats.org/officeDocument/2006/relationships" xmlns:p="http://schemas.openxmlformats.org/presentationml/2006/main">
   <p:cSld name="Slide 17">
     <p:spTree>
@@ -4238,9 +4203,62 @@
           </a:p>
         </p:txBody>
       </p:sp>
+      <p:sp>
+        <p:nvSpPr>
+          <p:cNvPr id="11" name="StaticPath"/>
+          <p:cNvSpPr/>
+          <p:nvPr/>
+        </p:nvSpPr>
+        <p:spPr>
+          <a:xfrm>
+            <a:off x="-1309687" y="3810000"/>
+            <a:ext cx="1737360" cy="1737360"/>
+          </a:xfrm>
+          <a:prstGeom prst="ellipse">
+            <a:avLst/>
+          </a:prstGeom>
+          <a:solidFill>
+            <a:srgbClr val="000000">
+              <a:alpha val="0"/>
+            </a:srgbClr>
+          </a:solidFill>
+          <a:ln w="211667">
+            <a:solidFill>
+              <a:srgbClr val="FF9800"/>
+            </a:solidFill>
+            <a:prstDash val="solid"/>
+          </a:ln>
+        </p:spPr>
+      </p:sp>
+      <p:sp>
+        <p:nvSpPr>
+          <p:cNvPr id="12" name="StaticPath"/>
+          <p:cNvSpPr/>
+          <p:nvPr/>
+        </p:nvSpPr>
+        <p:spPr>
+          <a:xfrm>
+            <a:off x="285750" y="204788"/>
+            <a:ext cx="482918" cy="482917"/>
+          </a:xfrm>
+          <a:prstGeom prst="ellipse">
+            <a:avLst/>
+          </a:prstGeom>
+          <a:solidFill>
+            <a:srgbClr val="000000"/>
+          </a:solidFill>
+          <a:ln/>
+        </p:spPr>
+      </p:sp>
       <p:pic>
         <p:nvPicPr>
-          <p:cNvPr id="10" name="Image" descr="preencoded.png"/>
+          <p:cNvPr id="14" name="Picture 13">
+            <a:extLst>
+              <a:ext uri="{FF2B5EF4-FFF2-40B4-BE49-F238E27FC236}">
+                <a16:creationId xmlns:a16="http://schemas.microsoft.com/office/drawing/2014/main" id="{6D4A83FF-4BAC-1708-8008-B04786E3EECA}"/>
+              </a:ext>
+            </a:extLst>
+          </p:cNvPr>
           <p:cNvPicPr>
             <a:picLocks noChangeAspect="1"/>
           </p:cNvPicPr>
@@ -4254,870 +4272,8 @@
         </p:blipFill>
         <p:spPr>
           <a:xfrm>
-            <a:off x="6238875" y="1333500"/>
-            <a:ext cx="2476500" cy="2476500"/>
-          </a:xfrm>
-          <a:prstGeom prst="rect">
-            <a:avLst/>
-          </a:prstGeom>
-        </p:spPr>
-      </p:pic>
-      <p:sp>
-        <p:nvSpPr>
-          <p:cNvPr id="11" name="StaticPath"/>
-          <p:cNvSpPr/>
-          <p:nvPr/>
-        </p:nvSpPr>
-        <p:spPr>
-          <a:xfrm>
-            <a:off x="-1309687" y="3810000"/>
-            <a:ext cx="1737360" cy="1737360"/>
-          </a:xfrm>
-          <a:prstGeom prst="ellipse">
-            <a:avLst/>
-          </a:prstGeom>
-          <a:solidFill>
-            <a:srgbClr val="000000">
-              <a:alpha val="0"/>
-            </a:srgbClr>
-          </a:solidFill>
-          <a:ln w="211667">
-            <a:solidFill>
-              <a:srgbClr val="FF9800"/>
-            </a:solidFill>
-            <a:prstDash val="solid"/>
-          </a:ln>
-        </p:spPr>
-      </p:sp>
-      <p:sp>
-        <p:nvSpPr>
-          <p:cNvPr id="12" name="StaticPath"/>
-          <p:cNvSpPr/>
-          <p:nvPr/>
-        </p:nvSpPr>
-        <p:spPr>
-          <a:xfrm>
-            <a:off x="285750" y="204788"/>
-            <a:ext cx="482918" cy="482917"/>
-          </a:xfrm>
-          <a:prstGeom prst="ellipse">
-            <a:avLst/>
-          </a:prstGeom>
-          <a:solidFill>
-            <a:srgbClr val="000000"/>
-          </a:solidFill>
-          <a:ln/>
-        </p:spPr>
-      </p:sp>
-    </p:spTree>
-  </p:cSld>
-  <p:clrMapOvr>
-    <a:masterClrMapping/>
-  </p:clrMapOvr>
-</p:sld>
-</file>
-
-<file path=ppt/slides/slide16.xml><?xml version="1.0" encoding="utf-8"?>
-<p:sld xmlns:a="http://schemas.openxmlformats.org/drawingml/2006/main" xmlns:r="http://schemas.openxmlformats.org/officeDocument/2006/relationships" xmlns:p="http://schemas.openxmlformats.org/presentationml/2006/main">
-  <p:cSld name="Slide 19">
-    <p:spTree>
-      <p:nvGrpSpPr>
-        <p:cNvPr id="1" name=""/>
-        <p:cNvGrpSpPr/>
-        <p:nvPr/>
-      </p:nvGrpSpPr>
-      <p:grpSpPr>
-        <a:xfrm>
-          <a:off x="0" y="0"/>
-          <a:ext cx="0" cy="0"/>
-          <a:chOff x="0" y="0"/>
-          <a:chExt cx="0" cy="0"/>
-        </a:xfrm>
-      </p:grpSpPr>
-      <p:sp>
-        <p:nvSpPr>
-          <p:cNvPr id="2" name="StaticPath"/>
-          <p:cNvSpPr/>
-          <p:nvPr/>
-        </p:nvSpPr>
-        <p:spPr>
-          <a:xfrm>
-            <a:off x="2056019" y="-1222724"/>
-            <a:ext cx="5032058" cy="5032058"/>
-          </a:xfrm>
-          <a:prstGeom prst="ellipse">
-            <a:avLst/>
-          </a:prstGeom>
-          <a:solidFill>
-            <a:srgbClr val="000000">
-              <a:alpha val="6000"/>
-            </a:srgbClr>
-          </a:solidFill>
-          <a:ln/>
-        </p:spPr>
-      </p:sp>
-      <p:sp>
-        <p:nvSpPr>
-          <p:cNvPr id="3" name="Title"/>
-          <p:cNvSpPr/>
-          <p:nvPr/>
-        </p:nvSpPr>
-        <p:spPr>
-          <a:xfrm>
-            <a:off x="758381" y="2122408"/>
-            <a:ext cx="7620000" cy="898731"/>
-          </a:xfrm>
-          <a:prstGeom prst="rect">
-            <a:avLst/>
-          </a:prstGeom>
-          <a:noFill/>
-          <a:ln/>
-        </p:spPr>
-        <p:txBody>
-          <a:bodyPr wrap="square" rtlCol="0" anchor="ctr"/>
-          <a:lstStyle/>
-          <a:p>
-            <a:pPr marL="0" indent="0" algn="ctr">
-              <a:buNone/>
-            </a:pPr>
-            <a:r>
-              <a:rPr lang="en-US" sz="5733" b="1" dirty="0">
-                <a:solidFill>
-                  <a:srgbClr val="000000"/>
-                </a:solidFill>
-                <a:ea typeface="OpenSans-Bold" pitchFamily="34" charset="-122"/>
-                <a:cs typeface="OpenSans-Bold" pitchFamily="34" charset="-120"/>
-              </a:rPr>
-              <a:t>Thank You</a:t>
-            </a:r>
-            <a:endParaRPr lang="en-US" sz="5733" dirty="0"/>
-          </a:p>
-        </p:txBody>
-      </p:sp>
-      <p:sp>
-        <p:nvSpPr>
-          <p:cNvPr id="4" name="StaticPath"/>
-          <p:cNvSpPr/>
-          <p:nvPr/>
-        </p:nvSpPr>
-        <p:spPr>
-          <a:xfrm>
-            <a:off x="7190137" y="3357658"/>
-            <a:ext cx="2394585" cy="2394585"/>
-          </a:xfrm>
-          <a:prstGeom prst="ellipse">
-            <a:avLst/>
-          </a:prstGeom>
-          <a:solidFill>
-            <a:srgbClr val="000000">
-              <a:alpha val="0"/>
-            </a:srgbClr>
-          </a:solidFill>
-          <a:ln w="423333">
-            <a:solidFill>
-              <a:srgbClr val="FF9800"/>
-            </a:solidFill>
-            <a:prstDash val="solid"/>
-          </a:ln>
-        </p:spPr>
-      </p:sp>
-      <p:sp>
-        <p:nvSpPr>
-          <p:cNvPr id="5" name="StaticPath"/>
-          <p:cNvSpPr/>
-          <p:nvPr/>
-        </p:nvSpPr>
-        <p:spPr>
-          <a:xfrm>
-            <a:off x="-957929" y="-1222724"/>
-            <a:ext cx="1991678" cy="1991677"/>
-          </a:xfrm>
-          <a:prstGeom prst="ellipse">
-            <a:avLst/>
-          </a:prstGeom>
-          <a:solidFill>
-            <a:srgbClr val="000000">
-              <a:alpha val="0"/>
-            </a:srgbClr>
-          </a:solidFill>
-          <a:ln w="423333">
-            <a:solidFill>
-              <a:srgbClr val="FF9800"/>
-            </a:solidFill>
-            <a:prstDash val="solid"/>
-          </a:ln>
-        </p:spPr>
-      </p:sp>
-      <p:sp>
-        <p:nvSpPr>
-          <p:cNvPr id="6" name="StaticPath"/>
-          <p:cNvSpPr/>
-          <p:nvPr/>
-        </p:nvSpPr>
-        <p:spPr>
-          <a:xfrm>
-            <a:off x="303609" y="4340114"/>
-            <a:ext cx="571500" cy="571500"/>
-          </a:xfrm>
-          <a:prstGeom prst="ellipse">
-            <a:avLst/>
-          </a:prstGeom>
-          <a:solidFill>
-            <a:srgbClr val="000000"/>
-          </a:solidFill>
-          <a:ln/>
-        </p:spPr>
-      </p:sp>
-      <p:sp>
-        <p:nvSpPr>
-          <p:cNvPr id="7" name="StaticPath"/>
-          <p:cNvSpPr/>
-          <p:nvPr/>
-        </p:nvSpPr>
-        <p:spPr>
-          <a:xfrm>
-            <a:off x="939165" y="4348163"/>
-            <a:ext cx="571500" cy="571500"/>
-          </a:xfrm>
-          <a:prstGeom prst="ellipse">
-            <a:avLst/>
-          </a:prstGeom>
-          <a:solidFill>
-            <a:srgbClr val="000000"/>
-          </a:solidFill>
-          <a:ln/>
-        </p:spPr>
-      </p:sp>
-      <p:sp>
-        <p:nvSpPr>
-          <p:cNvPr id="8" name="StaticPath"/>
-          <p:cNvSpPr/>
-          <p:nvPr/>
-        </p:nvSpPr>
-        <p:spPr>
-          <a:xfrm>
-            <a:off x="620268" y="4338923"/>
-            <a:ext cx="571500" cy="571500"/>
-          </a:xfrm>
-          <a:prstGeom prst="ellipse">
-            <a:avLst/>
-          </a:prstGeom>
-          <a:solidFill>
-            <a:srgbClr val="FF9800"/>
-          </a:solidFill>
-          <a:ln/>
-        </p:spPr>
-      </p:sp>
-    </p:spTree>
-  </p:cSld>
-  <p:clrMapOvr>
-    <a:masterClrMapping/>
-  </p:clrMapOvr>
-</p:sld>
-</file>
-
-<file path=ppt/slides/slide2.xml><?xml version="1.0" encoding="utf-8"?>
-<p:sld xmlns:a="http://schemas.openxmlformats.org/drawingml/2006/main" xmlns:r="http://schemas.openxmlformats.org/officeDocument/2006/relationships" xmlns:p="http://schemas.openxmlformats.org/presentationml/2006/main">
-  <p:cSld name="Slide 2">
-    <p:spTree>
-      <p:nvGrpSpPr>
-        <p:cNvPr id="1" name=""/>
-        <p:cNvGrpSpPr/>
-        <p:nvPr/>
-      </p:nvGrpSpPr>
-      <p:grpSpPr>
-        <a:xfrm>
-          <a:off x="0" y="0"/>
-          <a:ext cx="0" cy="0"/>
-          <a:chOff x="0" y="0"/>
-          <a:chExt cx="0" cy="0"/>
-        </a:xfrm>
-      </p:grpSpPr>
-      <p:sp>
-        <p:nvSpPr>
-          <p:cNvPr id="2" name="StaticPath"/>
-          <p:cNvSpPr/>
-          <p:nvPr/>
-        </p:nvSpPr>
-        <p:spPr>
-          <a:xfrm>
-            <a:off x="3852767" y="169640"/>
-            <a:ext cx="3157538" cy="3157538"/>
-          </a:xfrm>
-          <a:prstGeom prst="ellipse">
-            <a:avLst/>
-          </a:prstGeom>
-          <a:solidFill>
-            <a:srgbClr val="000000">
-              <a:alpha val="4000"/>
-            </a:srgbClr>
-          </a:solidFill>
-          <a:ln/>
-        </p:spPr>
-      </p:sp>
-      <p:sp>
-        <p:nvSpPr>
-          <p:cNvPr id="3" name="StaticPath"/>
-          <p:cNvSpPr/>
-          <p:nvPr/>
-        </p:nvSpPr>
-        <p:spPr>
-          <a:xfrm>
-            <a:off x="3906869" y="-1913049"/>
-            <a:ext cx="2428875" cy="2428875"/>
-          </a:xfrm>
-          <a:prstGeom prst="ellipse">
-            <a:avLst/>
-          </a:prstGeom>
-          <a:solidFill>
-            <a:srgbClr val="000000">
-              <a:alpha val="0"/>
-            </a:srgbClr>
-          </a:solidFill>
-          <a:ln w="423333">
-            <a:solidFill>
-              <a:srgbClr val="FF9800"/>
-            </a:solidFill>
-            <a:prstDash val="solid"/>
-          </a:ln>
-        </p:spPr>
-      </p:sp>
-      <p:sp>
-        <p:nvSpPr>
-          <p:cNvPr id="4" name="Title"/>
-          <p:cNvSpPr/>
-          <p:nvPr/>
-        </p:nvSpPr>
-        <p:spPr>
-          <a:xfrm>
-            <a:off x="4304062" y="1697879"/>
-            <a:ext cx="2302794" cy="277692"/>
-          </a:xfrm>
-          <a:prstGeom prst="rect">
-            <a:avLst/>
-          </a:prstGeom>
-          <a:noFill/>
-          <a:ln/>
-        </p:spPr>
-        <p:txBody>
-          <a:bodyPr wrap="square" rtlCol="0" anchor="ctr"/>
-          <a:lstStyle/>
-          <a:p>
-            <a:pPr marL="0" indent="0" algn="ctr">
-              <a:buNone/>
-            </a:pPr>
-            <a:r>
-              <a:rPr lang="en-US" sz="2338" b="1" dirty="0">
-                <a:solidFill>
-                  <a:srgbClr val="333333"/>
-                </a:solidFill>
-                <a:ea typeface="OpenSans-Bold" pitchFamily="34" charset="-122"/>
-                <a:cs typeface="OpenSans-Bold" pitchFamily="34" charset="-120"/>
-              </a:rPr>
-              <a:t>Overview: Multimedia Content</a:t>
-            </a:r>
-            <a:endParaRPr lang="en-US" sz="2338" dirty="0"/>
-          </a:p>
-        </p:txBody>
-      </p:sp>
-      <p:sp>
-        <p:nvSpPr>
-          <p:cNvPr id="5" name="Bullet circle 1"/>
-          <p:cNvSpPr/>
-          <p:nvPr/>
-        </p:nvSpPr>
-        <p:spPr>
-          <a:xfrm>
-            <a:off x="347662" y="857250"/>
-            <a:ext cx="474345" cy="474345"/>
-          </a:xfrm>
-          <a:prstGeom prst="ellipse">
-            <a:avLst/>
-          </a:prstGeom>
-          <a:solidFill>
-            <a:srgbClr val="FF9800"/>
-          </a:solidFill>
-          <a:ln/>
-        </p:spPr>
-      </p:sp>
-      <p:sp>
-        <p:nvSpPr>
-          <p:cNvPr id="6" name="Bullet index 1"/>
-          <p:cNvSpPr/>
-          <p:nvPr/>
-        </p:nvSpPr>
-        <p:spPr>
-          <a:xfrm>
-            <a:off x="879634" y="966788"/>
-            <a:ext cx="475726" cy="241078"/>
-          </a:xfrm>
-          <a:prstGeom prst="rect">
-            <a:avLst/>
-          </a:prstGeom>
-          <a:noFill/>
-          <a:ln/>
-        </p:spPr>
-        <p:txBody>
-          <a:bodyPr wrap="square" rtlCol="0" anchor="ctr"/>
-          <a:lstStyle/>
-          <a:p>
-            <a:pPr marL="0" indent="0" algn="ctr">
-              <a:buNone/>
-            </a:pPr>
-            <a:r>
-              <a:rPr lang="en-US" sz="1493" b="1" dirty="0">
-                <a:solidFill>
-                  <a:srgbClr val="333333"/>
-                </a:solidFill>
-                <a:ea typeface="Prompt-Bold" pitchFamily="34" charset="-122"/>
-                <a:cs typeface="Prompt-Bold" pitchFamily="34" charset="-120"/>
-              </a:rPr>
-              <a:t>01</a:t>
-            </a:r>
-            <a:endParaRPr lang="en-US" sz="1493" dirty="0"/>
-          </a:p>
-        </p:txBody>
-      </p:sp>
-      <p:sp>
-        <p:nvSpPr>
-          <p:cNvPr id="7" name="Bullet text 1"/>
-          <p:cNvSpPr/>
-          <p:nvPr/>
-        </p:nvSpPr>
-        <p:spPr>
-          <a:xfrm>
-            <a:off x="1388221" y="966788"/>
-            <a:ext cx="2525268" cy="249707"/>
-          </a:xfrm>
-          <a:prstGeom prst="rect">
-            <a:avLst/>
-          </a:prstGeom>
-          <a:noFill/>
-          <a:ln/>
-        </p:spPr>
-        <p:txBody>
-          <a:bodyPr wrap="square" rtlCol="0" anchor="ctr"/>
-          <a:lstStyle/>
-          <a:p>
-            <a:pPr marL="0" indent="0" algn="l">
-              <a:buNone/>
-            </a:pPr>
-            <a:r>
-              <a:rPr lang="en-US" sz="1530" dirty="0">
-                <a:solidFill>
-                  <a:srgbClr val="333333"/>
-                </a:solidFill>
-                <a:ea typeface="OpenSans-Regular" pitchFamily="34" charset="-122"/>
-                <a:cs typeface="OpenSans-Regular" pitchFamily="34" charset="-120"/>
-              </a:rPr>
-              <a:t>Definition of multimedia content</a:t>
-            </a:r>
-            <a:endParaRPr lang="en-US" sz="1530" dirty="0"/>
-          </a:p>
-        </p:txBody>
-      </p:sp>
-      <p:sp>
-        <p:nvSpPr>
-          <p:cNvPr id="8" name="Bullet circle 2"/>
-          <p:cNvSpPr/>
-          <p:nvPr/>
-        </p:nvSpPr>
-        <p:spPr>
-          <a:xfrm>
-            <a:off x="347662" y="1619250"/>
-            <a:ext cx="474345" cy="474345"/>
-          </a:xfrm>
-          <a:prstGeom prst="ellipse">
-            <a:avLst/>
-          </a:prstGeom>
-          <a:solidFill>
-            <a:srgbClr val="FF9800"/>
-          </a:solidFill>
-          <a:ln/>
-        </p:spPr>
-      </p:sp>
-      <p:sp>
-        <p:nvSpPr>
-          <p:cNvPr id="9" name="Bullet index 2"/>
-          <p:cNvSpPr/>
-          <p:nvPr/>
-        </p:nvSpPr>
-        <p:spPr>
-          <a:xfrm>
-            <a:off x="879634" y="1728788"/>
-            <a:ext cx="475726" cy="241078"/>
-          </a:xfrm>
-          <a:prstGeom prst="rect">
-            <a:avLst/>
-          </a:prstGeom>
-          <a:noFill/>
-          <a:ln/>
-        </p:spPr>
-        <p:txBody>
-          <a:bodyPr wrap="square" rtlCol="0" anchor="ctr"/>
-          <a:lstStyle/>
-          <a:p>
-            <a:pPr marL="0" indent="0" algn="ctr">
-              <a:buNone/>
-            </a:pPr>
-            <a:r>
-              <a:rPr lang="en-US" sz="1493" b="1" dirty="0">
-                <a:solidFill>
-                  <a:srgbClr val="333333"/>
-                </a:solidFill>
-                <a:ea typeface="Prompt-Bold" pitchFamily="34" charset="-122"/>
-                <a:cs typeface="Prompt-Bold" pitchFamily="34" charset="-120"/>
-              </a:rPr>
-              <a:t>02</a:t>
-            </a:r>
-            <a:endParaRPr lang="en-US" sz="1493" dirty="0"/>
-          </a:p>
-        </p:txBody>
-      </p:sp>
-      <p:sp>
-        <p:nvSpPr>
-          <p:cNvPr id="10" name="Bullet text 2"/>
-          <p:cNvSpPr/>
-          <p:nvPr/>
-        </p:nvSpPr>
-        <p:spPr>
-          <a:xfrm>
-            <a:off x="1388221" y="1728788"/>
-            <a:ext cx="2525268" cy="249707"/>
-          </a:xfrm>
-          <a:prstGeom prst="rect">
-            <a:avLst/>
-          </a:prstGeom>
-          <a:noFill/>
-          <a:ln/>
-        </p:spPr>
-        <p:txBody>
-          <a:bodyPr wrap="square" rtlCol="0" anchor="ctr"/>
-          <a:lstStyle/>
-          <a:p>
-            <a:pPr marL="0" indent="0" algn="l">
-              <a:buNone/>
-            </a:pPr>
-            <a:r>
-              <a:rPr lang="en-US" sz="1530" dirty="0">
-                <a:solidFill>
-                  <a:srgbClr val="333333"/>
-                </a:solidFill>
-                <a:ea typeface="OpenSans-Regular" pitchFamily="34" charset="-122"/>
-                <a:cs typeface="OpenSans-Regular" pitchFamily="34" charset="-120"/>
-              </a:rPr>
-              <a:t>Importance in e-commerce</a:t>
-            </a:r>
-            <a:endParaRPr lang="en-US" sz="1530" dirty="0"/>
-          </a:p>
-        </p:txBody>
-      </p:sp>
-      <p:sp>
-        <p:nvSpPr>
-          <p:cNvPr id="11" name="Bullet circle 3"/>
-          <p:cNvSpPr/>
-          <p:nvPr/>
-        </p:nvSpPr>
-        <p:spPr>
-          <a:xfrm>
-            <a:off x="347662" y="2381250"/>
-            <a:ext cx="474345" cy="474345"/>
-          </a:xfrm>
-          <a:prstGeom prst="ellipse">
-            <a:avLst/>
-          </a:prstGeom>
-          <a:solidFill>
-            <a:srgbClr val="FF9800"/>
-          </a:solidFill>
-          <a:ln/>
-        </p:spPr>
-      </p:sp>
-      <p:sp>
-        <p:nvSpPr>
-          <p:cNvPr id="12" name="Bullet index 3"/>
-          <p:cNvSpPr/>
-          <p:nvPr/>
-        </p:nvSpPr>
-        <p:spPr>
-          <a:xfrm>
-            <a:off x="879634" y="2490788"/>
-            <a:ext cx="475726" cy="241078"/>
-          </a:xfrm>
-          <a:prstGeom prst="rect">
-            <a:avLst/>
-          </a:prstGeom>
-          <a:noFill/>
-          <a:ln/>
-        </p:spPr>
-        <p:txBody>
-          <a:bodyPr wrap="square" rtlCol="0" anchor="ctr"/>
-          <a:lstStyle/>
-          <a:p>
-            <a:pPr marL="0" indent="0" algn="ctr">
-              <a:buNone/>
-            </a:pPr>
-            <a:r>
-              <a:rPr lang="en-US" sz="1493" b="1" dirty="0">
-                <a:solidFill>
-                  <a:srgbClr val="333333"/>
-                </a:solidFill>
-                <a:ea typeface="Prompt-Bold" pitchFamily="34" charset="-122"/>
-                <a:cs typeface="Prompt-Bold" pitchFamily="34" charset="-120"/>
-              </a:rPr>
-              <a:t>03</a:t>
-            </a:r>
-            <a:endParaRPr lang="en-US" sz="1493" dirty="0"/>
-          </a:p>
-        </p:txBody>
-      </p:sp>
-      <p:sp>
-        <p:nvSpPr>
-          <p:cNvPr id="13" name="Bullet text 3"/>
-          <p:cNvSpPr/>
-          <p:nvPr/>
-        </p:nvSpPr>
-        <p:spPr>
-          <a:xfrm>
-            <a:off x="1388221" y="2490788"/>
-            <a:ext cx="2525268" cy="249707"/>
-          </a:xfrm>
-          <a:prstGeom prst="rect">
-            <a:avLst/>
-          </a:prstGeom>
-          <a:noFill/>
-          <a:ln/>
-        </p:spPr>
-        <p:txBody>
-          <a:bodyPr wrap="square" rtlCol="0" anchor="ctr"/>
-          <a:lstStyle/>
-          <a:p>
-            <a:pPr marL="0" indent="0" algn="l">
-              <a:buNone/>
-            </a:pPr>
-            <a:r>
-              <a:rPr lang="en-US" sz="1530" dirty="0">
-                <a:solidFill>
-                  <a:srgbClr val="333333"/>
-                </a:solidFill>
-                <a:ea typeface="OpenSans-Regular" pitchFamily="34" charset="-122"/>
-                <a:cs typeface="OpenSans-Regular" pitchFamily="34" charset="-120"/>
-              </a:rPr>
-              <a:t>Types: Video, Audio, Images</a:t>
-            </a:r>
-            <a:endParaRPr lang="en-US" sz="1530" dirty="0"/>
-          </a:p>
-        </p:txBody>
-      </p:sp>
-      <p:sp>
-        <p:nvSpPr>
-          <p:cNvPr id="14" name="Bullet circle 4"/>
-          <p:cNvSpPr/>
-          <p:nvPr/>
-        </p:nvSpPr>
-        <p:spPr>
-          <a:xfrm>
-            <a:off x="347662" y="3143250"/>
-            <a:ext cx="474345" cy="474345"/>
-          </a:xfrm>
-          <a:prstGeom prst="ellipse">
-            <a:avLst/>
-          </a:prstGeom>
-          <a:solidFill>
-            <a:srgbClr val="FF9800"/>
-          </a:solidFill>
-          <a:ln/>
-        </p:spPr>
-      </p:sp>
-      <p:sp>
-        <p:nvSpPr>
-          <p:cNvPr id="15" name="Bullet index 4"/>
-          <p:cNvSpPr/>
-          <p:nvPr/>
-        </p:nvSpPr>
-        <p:spPr>
-          <a:xfrm>
-            <a:off x="879634" y="3252788"/>
-            <a:ext cx="475726" cy="241078"/>
-          </a:xfrm>
-          <a:prstGeom prst="rect">
-            <a:avLst/>
-          </a:prstGeom>
-          <a:noFill/>
-          <a:ln/>
-        </p:spPr>
-        <p:txBody>
-          <a:bodyPr wrap="square" rtlCol="0" anchor="ctr"/>
-          <a:lstStyle/>
-          <a:p>
-            <a:pPr marL="0" indent="0" algn="ctr">
-              <a:buNone/>
-            </a:pPr>
-            <a:r>
-              <a:rPr lang="en-US" sz="1493" b="1" dirty="0">
-                <a:solidFill>
-                  <a:srgbClr val="333333"/>
-                </a:solidFill>
-                <a:ea typeface="Prompt-Bold" pitchFamily="34" charset="-122"/>
-                <a:cs typeface="Prompt-Bold" pitchFamily="34" charset="-120"/>
-              </a:rPr>
-              <a:t>04</a:t>
-            </a:r>
-            <a:endParaRPr lang="en-US" sz="1493" dirty="0"/>
-          </a:p>
-        </p:txBody>
-      </p:sp>
-      <p:sp>
-        <p:nvSpPr>
-          <p:cNvPr id="16" name="Bullet text 4"/>
-          <p:cNvSpPr/>
-          <p:nvPr/>
-        </p:nvSpPr>
-        <p:spPr>
-          <a:xfrm>
-            <a:off x="1388221" y="3252788"/>
-            <a:ext cx="2525268" cy="249707"/>
-          </a:xfrm>
-          <a:prstGeom prst="rect">
-            <a:avLst/>
-          </a:prstGeom>
-          <a:noFill/>
-          <a:ln/>
-        </p:spPr>
-        <p:txBody>
-          <a:bodyPr wrap="square" rtlCol="0" anchor="ctr"/>
-          <a:lstStyle/>
-          <a:p>
-            <a:pPr marL="0" indent="0" algn="l">
-              <a:buNone/>
-            </a:pPr>
-            <a:r>
-              <a:rPr lang="en-US" sz="1530" dirty="0">
-                <a:solidFill>
-                  <a:srgbClr val="333333"/>
-                </a:solidFill>
-                <a:ea typeface="OpenSans-Regular" pitchFamily="34" charset="-122"/>
-                <a:cs typeface="OpenSans-Regular" pitchFamily="34" charset="-120"/>
-              </a:rPr>
-              <a:t>Impact on user engagement</a:t>
-            </a:r>
-            <a:endParaRPr lang="en-US" sz="1530" dirty="0"/>
-          </a:p>
-        </p:txBody>
-      </p:sp>
-      <p:sp>
-        <p:nvSpPr>
-          <p:cNvPr id="17" name="Bullet circle 5"/>
-          <p:cNvSpPr/>
-          <p:nvPr/>
-        </p:nvSpPr>
-        <p:spPr>
-          <a:xfrm>
-            <a:off x="347662" y="3905250"/>
-            <a:ext cx="474345" cy="474345"/>
-          </a:xfrm>
-          <a:prstGeom prst="ellipse">
-            <a:avLst/>
-          </a:prstGeom>
-          <a:solidFill>
-            <a:srgbClr val="FF9800"/>
-          </a:solidFill>
-          <a:ln/>
-        </p:spPr>
-      </p:sp>
-      <p:sp>
-        <p:nvSpPr>
-          <p:cNvPr id="18" name="Bullet index 5"/>
-          <p:cNvSpPr/>
-          <p:nvPr/>
-        </p:nvSpPr>
-        <p:spPr>
-          <a:xfrm>
-            <a:off x="879634" y="4014788"/>
-            <a:ext cx="475726" cy="241078"/>
-          </a:xfrm>
-          <a:prstGeom prst="rect">
-            <a:avLst/>
-          </a:prstGeom>
-          <a:noFill/>
-          <a:ln/>
-        </p:spPr>
-        <p:txBody>
-          <a:bodyPr wrap="square" rtlCol="0" anchor="ctr"/>
-          <a:lstStyle/>
-          <a:p>
-            <a:pPr marL="0" indent="0" algn="ctr">
-              <a:buNone/>
-            </a:pPr>
-            <a:r>
-              <a:rPr lang="en-US" sz="1493" b="1" dirty="0">
-                <a:solidFill>
-                  <a:srgbClr val="333333"/>
-                </a:solidFill>
-                <a:ea typeface="Prompt-Bold" pitchFamily="34" charset="-122"/>
-                <a:cs typeface="Prompt-Bold" pitchFamily="34" charset="-120"/>
-              </a:rPr>
-              <a:t>05</a:t>
-            </a:r>
-            <a:endParaRPr lang="en-US" sz="1493" dirty="0"/>
-          </a:p>
-        </p:txBody>
-      </p:sp>
-      <p:sp>
-        <p:nvSpPr>
-          <p:cNvPr id="19" name="Bullet text 5"/>
-          <p:cNvSpPr/>
-          <p:nvPr/>
-        </p:nvSpPr>
-        <p:spPr>
-          <a:xfrm>
-            <a:off x="1388221" y="4014788"/>
-            <a:ext cx="2525268" cy="249707"/>
-          </a:xfrm>
-          <a:prstGeom prst="rect">
-            <a:avLst/>
-          </a:prstGeom>
-          <a:noFill/>
-          <a:ln/>
-        </p:spPr>
-        <p:txBody>
-          <a:bodyPr wrap="square" rtlCol="0" anchor="ctr"/>
-          <a:lstStyle/>
-          <a:p>
-            <a:pPr marL="0" indent="0" algn="l">
-              <a:buNone/>
-            </a:pPr>
-            <a:r>
-              <a:rPr lang="en-US" sz="1530" dirty="0">
-                <a:solidFill>
-                  <a:srgbClr val="333333"/>
-                </a:solidFill>
-                <a:ea typeface="OpenSans-Regular" pitchFamily="34" charset="-122"/>
-                <a:cs typeface="OpenSans-Regular" pitchFamily="34" charset="-120"/>
-              </a:rPr>
-              <a:t>Future trends</a:t>
-            </a:r>
-            <a:endParaRPr lang="en-US" sz="1530" dirty="0"/>
-          </a:p>
-        </p:txBody>
-      </p:sp>
-      <p:pic>
-        <p:nvPicPr>
-          <p:cNvPr id="20" name="Image" descr="preencoded.png"/>
-          <p:cNvPicPr>
-            <a:picLocks noChangeAspect="1"/>
-          </p:cNvPicPr>
-          <p:nvPr/>
-        </p:nvPicPr>
-        <p:blipFill>
-          <a:blip r:embed="rId3"/>
-          <a:stretch>
-            <a:fillRect/>
-          </a:stretch>
-        </p:blipFill>
-        <p:spPr>
-          <a:xfrm>
-            <a:off x="6569916" y="2586085"/>
-            <a:ext cx="2383631" cy="2383631"/>
+            <a:off x="5728629" y="1746592"/>
+            <a:ext cx="3197322" cy="1650316"/>
           </a:xfrm>
           <a:prstGeom prst="rect">
             <a:avLst/>
@@ -5132,7 +4288,7 @@
 </p:sld>
 </file>
 
-<file path=ppt/slides/slide3.xml><?xml version="1.0" encoding="utf-8"?>
+<file path=ppt/slides/slide4.xml><?xml version="1.0" encoding="utf-8"?>
 <p:sld xmlns:a="http://schemas.openxmlformats.org/drawingml/2006/main" xmlns:r="http://schemas.openxmlformats.org/officeDocument/2006/relationships" xmlns:p="http://schemas.openxmlformats.org/presentationml/2006/main">
   <p:cSld name="Slide 3">
     <p:spTree>
@@ -5524,7 +4680,7 @@
 </p:sld>
 </file>
 
-<file path=ppt/slides/slide4.xml><?xml version="1.0" encoding="utf-8"?>
+<file path=ppt/slides/slide5.xml><?xml version="1.0" encoding="utf-8"?>
 <p:sld xmlns:a="http://schemas.openxmlformats.org/drawingml/2006/main" xmlns:r="http://schemas.openxmlformats.org/officeDocument/2006/relationships" xmlns:p="http://schemas.openxmlformats.org/presentationml/2006/main">
   <p:cSld name="Slide 5">
     <p:spTree>
@@ -5827,9 +4983,62 @@
           </a:p>
         </p:txBody>
       </p:sp>
+      <p:sp>
+        <p:nvSpPr>
+          <p:cNvPr id="11" name="StaticPath"/>
+          <p:cNvSpPr/>
+          <p:nvPr/>
+        </p:nvSpPr>
+        <p:spPr>
+          <a:xfrm>
+            <a:off x="-1309687" y="3810000"/>
+            <a:ext cx="1737360" cy="1737360"/>
+          </a:xfrm>
+          <a:prstGeom prst="ellipse">
+            <a:avLst/>
+          </a:prstGeom>
+          <a:solidFill>
+            <a:srgbClr val="000000">
+              <a:alpha val="0"/>
+            </a:srgbClr>
+          </a:solidFill>
+          <a:ln w="211667">
+            <a:solidFill>
+              <a:srgbClr val="FF9800"/>
+            </a:solidFill>
+            <a:prstDash val="solid"/>
+          </a:ln>
+        </p:spPr>
+      </p:sp>
+      <p:sp>
+        <p:nvSpPr>
+          <p:cNvPr id="12" name="StaticPath"/>
+          <p:cNvSpPr/>
+          <p:nvPr/>
+        </p:nvSpPr>
+        <p:spPr>
+          <a:xfrm>
+            <a:off x="285750" y="204788"/>
+            <a:ext cx="482918" cy="482917"/>
+          </a:xfrm>
+          <a:prstGeom prst="ellipse">
+            <a:avLst/>
+          </a:prstGeom>
+          <a:solidFill>
+            <a:srgbClr val="000000"/>
+          </a:solidFill>
+          <a:ln/>
+        </p:spPr>
+      </p:sp>
       <p:pic>
         <p:nvPicPr>
-          <p:cNvPr id="10" name="Image" descr="preencoded.png"/>
+          <p:cNvPr id="14" name="Picture 13">
+            <a:extLst>
+              <a:ext uri="{FF2B5EF4-FFF2-40B4-BE49-F238E27FC236}">
+                <a16:creationId xmlns:a16="http://schemas.microsoft.com/office/drawing/2014/main" id="{B7701C81-178F-2E78-FA57-6300EEEF71A8}"/>
+              </a:ext>
+            </a:extLst>
+          </p:cNvPr>
           <p:cNvPicPr>
             <a:picLocks noChangeAspect="1"/>
           </p:cNvPicPr>
@@ -5843,61 +5052,14 @@
         </p:blipFill>
         <p:spPr>
           <a:xfrm>
-            <a:off x="6238875" y="1333500"/>
-            <a:ext cx="2476500" cy="2476500"/>
+            <a:off x="5953125" y="1752893"/>
+            <a:ext cx="3169024" cy="1780589"/>
           </a:xfrm>
           <a:prstGeom prst="rect">
             <a:avLst/>
           </a:prstGeom>
         </p:spPr>
       </p:pic>
-      <p:sp>
-        <p:nvSpPr>
-          <p:cNvPr id="11" name="StaticPath"/>
-          <p:cNvSpPr/>
-          <p:nvPr/>
-        </p:nvSpPr>
-        <p:spPr>
-          <a:xfrm>
-            <a:off x="-1309687" y="3810000"/>
-            <a:ext cx="1737360" cy="1737360"/>
-          </a:xfrm>
-          <a:prstGeom prst="ellipse">
-            <a:avLst/>
-          </a:prstGeom>
-          <a:solidFill>
-            <a:srgbClr val="000000">
-              <a:alpha val="0"/>
-            </a:srgbClr>
-          </a:solidFill>
-          <a:ln w="211667">
-            <a:solidFill>
-              <a:srgbClr val="FF9800"/>
-            </a:solidFill>
-            <a:prstDash val="solid"/>
-          </a:ln>
-        </p:spPr>
-      </p:sp>
-      <p:sp>
-        <p:nvSpPr>
-          <p:cNvPr id="12" name="StaticPath"/>
-          <p:cNvSpPr/>
-          <p:nvPr/>
-        </p:nvSpPr>
-        <p:spPr>
-          <a:xfrm>
-            <a:off x="285750" y="204788"/>
-            <a:ext cx="482918" cy="482917"/>
-          </a:xfrm>
-          <a:prstGeom prst="ellipse">
-            <a:avLst/>
-          </a:prstGeom>
-          <a:solidFill>
-            <a:srgbClr val="000000"/>
-          </a:solidFill>
-          <a:ln/>
-        </p:spPr>
-      </p:sp>
     </p:spTree>
   </p:cSld>
   <p:clrMapOvr>
@@ -5906,7 +5068,7 @@
 </p:sld>
 </file>
 
-<file path=ppt/slides/slide5.xml><?xml version="1.0" encoding="utf-8"?>
+<file path=ppt/slides/slide6.xml><?xml version="1.0" encoding="utf-8"?>
 <p:sld xmlns:a="http://schemas.openxmlformats.org/drawingml/2006/main" xmlns:r="http://schemas.openxmlformats.org/officeDocument/2006/relationships" xmlns:p="http://schemas.openxmlformats.org/presentationml/2006/main">
   <p:cSld name="Slide 6">
     <p:spTree>
@@ -6202,9 +5364,56 @@
           </a:p>
         </p:txBody>
       </p:sp>
+      <p:sp>
+        <p:nvSpPr>
+          <p:cNvPr id="11" name="StaticPath"/>
+          <p:cNvSpPr/>
+          <p:nvPr/>
+        </p:nvSpPr>
+        <p:spPr>
+          <a:xfrm>
+            <a:off x="-1309687" y="3810000"/>
+            <a:ext cx="1737360" cy="1737360"/>
+          </a:xfrm>
+          <a:prstGeom prst="ellipse">
+            <a:avLst/>
+          </a:prstGeom>
+          <a:solidFill>
+            <a:srgbClr val="000000">
+              <a:alpha val="0"/>
+            </a:srgbClr>
+          </a:solidFill>
+          <a:ln w="211667">
+            <a:solidFill>
+              <a:srgbClr val="FF9800"/>
+            </a:solidFill>
+            <a:prstDash val="solid"/>
+          </a:ln>
+        </p:spPr>
+      </p:sp>
+      <p:sp>
+        <p:nvSpPr>
+          <p:cNvPr id="12" name="StaticPath"/>
+          <p:cNvSpPr/>
+          <p:nvPr/>
+        </p:nvSpPr>
+        <p:spPr>
+          <a:xfrm>
+            <a:off x="285750" y="204788"/>
+            <a:ext cx="482918" cy="482917"/>
+          </a:xfrm>
+          <a:prstGeom prst="ellipse">
+            <a:avLst/>
+          </a:prstGeom>
+          <a:solidFill>
+            <a:srgbClr val="000000"/>
+          </a:solidFill>
+          <a:ln/>
+        </p:spPr>
+      </p:sp>
       <p:pic>
         <p:nvPicPr>
-          <p:cNvPr id="10" name="Image" descr="preencoded.png"/>
+          <p:cNvPr id="15" name="Image" descr="preencoded.png"/>
           <p:cNvPicPr>
             <a:picLocks noChangeAspect="1"/>
           </p:cNvPicPr>
@@ -6226,53 +5435,6 @@
           </a:prstGeom>
         </p:spPr>
       </p:pic>
-      <p:sp>
-        <p:nvSpPr>
-          <p:cNvPr id="11" name="StaticPath"/>
-          <p:cNvSpPr/>
-          <p:nvPr/>
-        </p:nvSpPr>
-        <p:spPr>
-          <a:xfrm>
-            <a:off x="-1309687" y="3810000"/>
-            <a:ext cx="1737360" cy="1737360"/>
-          </a:xfrm>
-          <a:prstGeom prst="ellipse">
-            <a:avLst/>
-          </a:prstGeom>
-          <a:solidFill>
-            <a:srgbClr val="000000">
-              <a:alpha val="0"/>
-            </a:srgbClr>
-          </a:solidFill>
-          <a:ln w="211667">
-            <a:solidFill>
-              <a:srgbClr val="FF9800"/>
-            </a:solidFill>
-            <a:prstDash val="solid"/>
-          </a:ln>
-        </p:spPr>
-      </p:sp>
-      <p:sp>
-        <p:nvSpPr>
-          <p:cNvPr id="12" name="StaticPath"/>
-          <p:cNvSpPr/>
-          <p:nvPr/>
-        </p:nvSpPr>
-        <p:spPr>
-          <a:xfrm>
-            <a:off x="285750" y="204788"/>
-            <a:ext cx="482918" cy="482917"/>
-          </a:xfrm>
-          <a:prstGeom prst="ellipse">
-            <a:avLst/>
-          </a:prstGeom>
-          <a:solidFill>
-            <a:srgbClr val="000000"/>
-          </a:solidFill>
-          <a:ln/>
-        </p:spPr>
-      </p:sp>
     </p:spTree>
   </p:cSld>
   <p:clrMapOvr>
@@ -6281,7 +5443,7 @@
 </p:sld>
 </file>
 
-<file path=ppt/slides/slide6.xml><?xml version="1.0" encoding="utf-8"?>
+<file path=ppt/slides/slide7.xml><?xml version="1.0" encoding="utf-8"?>
 <p:sld xmlns:a="http://schemas.openxmlformats.org/drawingml/2006/main" xmlns:r="http://schemas.openxmlformats.org/officeDocument/2006/relationships" xmlns:p="http://schemas.openxmlformats.org/presentationml/2006/main">
   <p:cSld name="Slide 7">
     <p:spTree>
@@ -6649,7 +5811,7 @@
 </p:sld>
 </file>
 
-<file path=ppt/slides/slide7.xml><?xml version="1.0" encoding="utf-8"?>
+<file path=ppt/slides/slide8.xml><?xml version="1.0" encoding="utf-8"?>
 <p:sld xmlns:a="http://schemas.openxmlformats.org/drawingml/2006/main" xmlns:r="http://schemas.openxmlformats.org/officeDocument/2006/relationships" xmlns:p="http://schemas.openxmlformats.org/presentationml/2006/main">
   <p:cSld name="Slide 9">
     <p:spTree>
@@ -7024,7 +6186,7 @@
 </p:sld>
 </file>
 
-<file path=ppt/slides/slide8.xml><?xml version="1.0" encoding="utf-8"?>
+<file path=ppt/slides/slide9.xml><?xml version="1.0" encoding="utf-8"?>
 <p:sld xmlns:a="http://schemas.openxmlformats.org/drawingml/2006/main" xmlns:r="http://schemas.openxmlformats.org/officeDocument/2006/relationships" xmlns:p="http://schemas.openxmlformats.org/presentationml/2006/main">
   <p:cSld name="Slide 4">
     <p:spTree>
@@ -7313,9 +6475,62 @@
           </a:p>
         </p:txBody>
       </p:sp>
+      <p:sp>
+        <p:nvSpPr>
+          <p:cNvPr id="11" name="StaticPath"/>
+          <p:cNvSpPr/>
+          <p:nvPr/>
+        </p:nvSpPr>
+        <p:spPr>
+          <a:xfrm>
+            <a:off x="-1309687" y="3810000"/>
+            <a:ext cx="1737360" cy="1737360"/>
+          </a:xfrm>
+          <a:prstGeom prst="ellipse">
+            <a:avLst/>
+          </a:prstGeom>
+          <a:solidFill>
+            <a:srgbClr val="000000">
+              <a:alpha val="0"/>
+            </a:srgbClr>
+          </a:solidFill>
+          <a:ln w="211667">
+            <a:solidFill>
+              <a:srgbClr val="FF9800"/>
+            </a:solidFill>
+            <a:prstDash val="solid"/>
+          </a:ln>
+        </p:spPr>
+      </p:sp>
+      <p:sp>
+        <p:nvSpPr>
+          <p:cNvPr id="12" name="StaticPath"/>
+          <p:cNvSpPr/>
+          <p:nvPr/>
+        </p:nvSpPr>
+        <p:spPr>
+          <a:xfrm>
+            <a:off x="285750" y="204788"/>
+            <a:ext cx="482918" cy="482917"/>
+          </a:xfrm>
+          <a:prstGeom prst="ellipse">
+            <a:avLst/>
+          </a:prstGeom>
+          <a:solidFill>
+            <a:srgbClr val="000000"/>
+          </a:solidFill>
+          <a:ln/>
+        </p:spPr>
+      </p:sp>
       <p:pic>
         <p:nvPicPr>
-          <p:cNvPr id="10" name="Image" descr="preencoded.png"/>
+          <p:cNvPr id="14" name="Picture 13">
+            <a:extLst>
+              <a:ext uri="{FF2B5EF4-FFF2-40B4-BE49-F238E27FC236}">
+                <a16:creationId xmlns:a16="http://schemas.microsoft.com/office/drawing/2014/main" id="{390C1D43-642D-F107-FD60-BB39BCA2AA4E}"/>
+              </a:ext>
+            </a:extLst>
+          </p:cNvPr>
           <p:cNvPicPr>
             <a:picLocks noChangeAspect="1"/>
           </p:cNvPicPr>
@@ -7329,443 +6544,14 @@
         </p:blipFill>
         <p:spPr>
           <a:xfrm>
-            <a:off x="6238875" y="1333500"/>
-            <a:ext cx="2476500" cy="2476500"/>
+            <a:off x="5878988" y="1916033"/>
+            <a:ext cx="2881262" cy="1742739"/>
           </a:xfrm>
           <a:prstGeom prst="rect">
             <a:avLst/>
           </a:prstGeom>
         </p:spPr>
       </p:pic>
-      <p:sp>
-        <p:nvSpPr>
-          <p:cNvPr id="11" name="StaticPath"/>
-          <p:cNvSpPr/>
-          <p:nvPr/>
-        </p:nvSpPr>
-        <p:spPr>
-          <a:xfrm>
-            <a:off x="-1309687" y="3810000"/>
-            <a:ext cx="1737360" cy="1737360"/>
-          </a:xfrm>
-          <a:prstGeom prst="ellipse">
-            <a:avLst/>
-          </a:prstGeom>
-          <a:solidFill>
-            <a:srgbClr val="000000">
-              <a:alpha val="0"/>
-            </a:srgbClr>
-          </a:solidFill>
-          <a:ln w="211667">
-            <a:solidFill>
-              <a:srgbClr val="FF9800"/>
-            </a:solidFill>
-            <a:prstDash val="solid"/>
-          </a:ln>
-        </p:spPr>
-      </p:sp>
-      <p:sp>
-        <p:nvSpPr>
-          <p:cNvPr id="12" name="StaticPath"/>
-          <p:cNvSpPr/>
-          <p:nvPr/>
-        </p:nvSpPr>
-        <p:spPr>
-          <a:xfrm>
-            <a:off x="285750" y="204788"/>
-            <a:ext cx="482918" cy="482917"/>
-          </a:xfrm>
-          <a:prstGeom prst="ellipse">
-            <a:avLst/>
-          </a:prstGeom>
-          <a:solidFill>
-            <a:srgbClr val="000000"/>
-          </a:solidFill>
-          <a:ln/>
-        </p:spPr>
-      </p:sp>
-    </p:spTree>
-  </p:cSld>
-  <p:clrMapOvr>
-    <a:masterClrMapping/>
-  </p:clrMapOvr>
-</p:sld>
-</file>
-
-<file path=ppt/slides/slide9.xml><?xml version="1.0" encoding="utf-8"?>
-<p:sld xmlns:a="http://schemas.openxmlformats.org/drawingml/2006/main" xmlns:r="http://schemas.openxmlformats.org/officeDocument/2006/relationships" xmlns:p="http://schemas.openxmlformats.org/presentationml/2006/main">
-  <p:cSld name="Slide 10">
-    <p:spTree>
-      <p:nvGrpSpPr>
-        <p:cNvPr id="1" name=""/>
-        <p:cNvGrpSpPr/>
-        <p:nvPr/>
-      </p:nvGrpSpPr>
-      <p:grpSpPr>
-        <a:xfrm>
-          <a:off x="0" y="0"/>
-          <a:ext cx="0" cy="0"/>
-          <a:chOff x="0" y="0"/>
-          <a:chExt cx="0" cy="0"/>
-        </a:xfrm>
-      </p:grpSpPr>
-      <p:sp>
-        <p:nvSpPr>
-          <p:cNvPr id="2" name="StaticPath"/>
-          <p:cNvSpPr/>
-          <p:nvPr/>
-        </p:nvSpPr>
-        <p:spPr>
-          <a:xfrm>
-            <a:off x="7143750" y="0"/>
-            <a:ext cx="2000250" cy="5143500"/>
-          </a:xfrm>
-          <a:prstGeom prst="rect">
-            <a:avLst/>
-          </a:prstGeom>
-          <a:solidFill>
-            <a:srgbClr val="FF9800"/>
-          </a:solidFill>
-          <a:ln/>
-        </p:spPr>
-      </p:sp>
-      <p:sp>
-        <p:nvSpPr>
-          <p:cNvPr id="3" name="Title"/>
-          <p:cNvSpPr/>
-          <p:nvPr/>
-        </p:nvSpPr>
-        <p:spPr>
-          <a:xfrm>
-            <a:off x="1190625" y="357188"/>
-            <a:ext cx="5715000" cy="571500"/>
-          </a:xfrm>
-          <a:prstGeom prst="rect">
-            <a:avLst/>
-          </a:prstGeom>
-          <a:noFill/>
-          <a:ln/>
-        </p:spPr>
-        <p:txBody>
-          <a:bodyPr wrap="square" rtlCol="0" anchor="ctr"/>
-          <a:lstStyle/>
-          <a:p>
-            <a:pPr marL="0" indent="0" algn="l">
-              <a:buNone/>
-            </a:pPr>
-            <a:r>
-              <a:rPr lang="en-US" sz="1733" b="1" dirty="0">
-                <a:solidFill>
-                  <a:srgbClr val="333333"/>
-                </a:solidFill>
-                <a:ea typeface="OpenSans-Bold" pitchFamily="34" charset="-122"/>
-                <a:cs typeface="OpenSans-Bold" pitchFamily="34" charset="-120"/>
-              </a:rPr>
-              <a:t>Tools for Desktop Video Conferencing</a:t>
-            </a:r>
-            <a:endParaRPr lang="en-US" sz="1733" dirty="0"/>
-          </a:p>
-        </p:txBody>
-      </p:sp>
-      <p:sp>
-        <p:nvSpPr>
-          <p:cNvPr id="4" name="Subtitle 1"/>
-          <p:cNvSpPr/>
-          <p:nvPr/>
-        </p:nvSpPr>
-        <p:spPr>
-          <a:xfrm>
-            <a:off x="714375" y="1190625"/>
-            <a:ext cx="5238750" cy="1428750"/>
-          </a:xfrm>
-          <a:prstGeom prst="rect">
-            <a:avLst/>
-          </a:prstGeom>
-          <a:noFill/>
-          <a:ln/>
-        </p:spPr>
-        <p:txBody>
-          <a:bodyPr wrap="square" rtlCol="0" anchor="ctr"/>
-          <a:lstStyle/>
-          <a:p>
-            <a:pPr marL="0" indent="0" algn="l">
-              <a:buNone/>
-            </a:pPr>
-            <a:r>
-              <a:rPr lang="en-US" sz="1500" b="1" dirty="0">
-                <a:solidFill>
-                  <a:srgbClr val="000000"/>
-                </a:solidFill>
-                <a:ea typeface="OpenSans-Bold" pitchFamily="34" charset="-122"/>
-                <a:cs typeface="OpenSans-Bold" pitchFamily="34" charset="-120"/>
-              </a:rPr>
-              <a:t>Popular Platforms</a:t>
-            </a:r>
-            <a:endParaRPr lang="en-US" sz="1500" dirty="0"/>
-          </a:p>
-        </p:txBody>
-      </p:sp>
-      <p:sp>
-        <p:nvSpPr>
-          <p:cNvPr id="5" name="Paragraph 1"/>
-          <p:cNvSpPr/>
-          <p:nvPr/>
-        </p:nvSpPr>
-        <p:spPr>
-          <a:xfrm>
-            <a:off x="714375" y="1571625"/>
-            <a:ext cx="5238750" cy="1428750"/>
-          </a:xfrm>
-          <a:prstGeom prst="rect">
-            <a:avLst/>
-          </a:prstGeom>
-          <a:noFill/>
-          <a:ln/>
-        </p:spPr>
-        <p:txBody>
-          <a:bodyPr wrap="square" rtlCol="0" anchor="ctr"/>
-          <a:lstStyle/>
-          <a:p>
-            <a:pPr marL="0" indent="0" algn="l">
-              <a:buNone/>
-            </a:pPr>
-            <a:r>
-              <a:rPr lang="en-US" sz="1367" dirty="0">
-                <a:solidFill>
-                  <a:srgbClr val="000000"/>
-                </a:solidFill>
-                <a:ea typeface="OpenSans-Regular" pitchFamily="34" charset="-122"/>
-                <a:cs typeface="OpenSans-Regular" pitchFamily="34" charset="-120"/>
-              </a:rPr>
-              <a:t>Common tools include Zoom, Microsoft Teams, and Google Meet, widely used for e-commerce and communication needs.</a:t>
-            </a:r>
-            <a:endParaRPr lang="en-US" sz="1367" dirty="0"/>
-          </a:p>
-        </p:txBody>
-      </p:sp>
-      <p:sp>
-        <p:nvSpPr>
-          <p:cNvPr id="6" name="Subtitle 2"/>
-          <p:cNvSpPr/>
-          <p:nvPr/>
-        </p:nvSpPr>
-        <p:spPr>
-          <a:xfrm>
-            <a:off x="714375" y="2524125"/>
-            <a:ext cx="5238750" cy="1428750"/>
-          </a:xfrm>
-          <a:prstGeom prst="rect">
-            <a:avLst/>
-          </a:prstGeom>
-          <a:noFill/>
-          <a:ln/>
-        </p:spPr>
-        <p:txBody>
-          <a:bodyPr wrap="square" rtlCol="0" anchor="ctr"/>
-          <a:lstStyle/>
-          <a:p>
-            <a:pPr marL="0" indent="0" algn="l">
-              <a:buNone/>
-            </a:pPr>
-            <a:r>
-              <a:rPr lang="en-US" sz="1500" b="1" dirty="0">
-                <a:solidFill>
-                  <a:srgbClr val="000000"/>
-                </a:solidFill>
-                <a:ea typeface="OpenSans-Bold" pitchFamily="34" charset="-122"/>
-                <a:cs typeface="OpenSans-Bold" pitchFamily="34" charset="-120"/>
-              </a:rPr>
-              <a:t>Advanced Features</a:t>
-            </a:r>
-            <a:endParaRPr lang="en-US" sz="1500" dirty="0"/>
-          </a:p>
-        </p:txBody>
-      </p:sp>
-      <p:sp>
-        <p:nvSpPr>
-          <p:cNvPr id="7" name="Paragraph 2"/>
-          <p:cNvSpPr/>
-          <p:nvPr/>
-        </p:nvSpPr>
-        <p:spPr>
-          <a:xfrm>
-            <a:off x="714375" y="2905125"/>
-            <a:ext cx="5238750" cy="1428750"/>
-          </a:xfrm>
-          <a:prstGeom prst="rect">
-            <a:avLst/>
-          </a:prstGeom>
-          <a:noFill/>
-          <a:ln/>
-        </p:spPr>
-        <p:txBody>
-          <a:bodyPr wrap="square" rtlCol="0" anchor="ctr"/>
-          <a:lstStyle/>
-          <a:p>
-            <a:pPr marL="0" indent="0" algn="l">
-              <a:buNone/>
-            </a:pPr>
-            <a:r>
-              <a:rPr lang="en-US" sz="1367" dirty="0">
-                <a:solidFill>
-                  <a:srgbClr val="000000"/>
-                </a:solidFill>
-                <a:ea typeface="OpenSans-Regular" pitchFamily="34" charset="-122"/>
-                <a:cs typeface="OpenSans-Regular" pitchFamily="34" charset="-120"/>
-              </a:rPr>
-              <a:t>Platforms offer screen sharing, virtual backgrounds, and live transcription for enhanced usability.</a:t>
-            </a:r>
-            <a:endParaRPr lang="en-US" sz="1367" dirty="0"/>
-          </a:p>
-        </p:txBody>
-      </p:sp>
-      <p:sp>
-        <p:nvSpPr>
-          <p:cNvPr id="8" name="Subtitle 3"/>
-          <p:cNvSpPr/>
-          <p:nvPr/>
-        </p:nvSpPr>
-        <p:spPr>
-          <a:xfrm>
-            <a:off x="714375" y="3619500"/>
-            <a:ext cx="5238750" cy="1428750"/>
-          </a:xfrm>
-          <a:prstGeom prst="rect">
-            <a:avLst/>
-          </a:prstGeom>
-          <a:noFill/>
-          <a:ln/>
-        </p:spPr>
-        <p:txBody>
-          <a:bodyPr wrap="square" rtlCol="0" anchor="ctr"/>
-          <a:lstStyle/>
-          <a:p>
-            <a:pPr marL="0" indent="0" algn="l">
-              <a:buNone/>
-            </a:pPr>
-            <a:r>
-              <a:rPr lang="en-US" sz="1500" b="1" dirty="0">
-                <a:solidFill>
-                  <a:srgbClr val="000000"/>
-                </a:solidFill>
-                <a:ea typeface="OpenSans-Bold" pitchFamily="34" charset="-122"/>
-                <a:cs typeface="OpenSans-Bold" pitchFamily="34" charset="-120"/>
-              </a:rPr>
-              <a:t>Custom Solutions</a:t>
-            </a:r>
-            <a:endParaRPr lang="en-US" sz="1500" dirty="0"/>
-          </a:p>
-        </p:txBody>
-      </p:sp>
-      <p:sp>
-        <p:nvSpPr>
-          <p:cNvPr id="9" name="Paragraph 3"/>
-          <p:cNvSpPr/>
-          <p:nvPr/>
-        </p:nvSpPr>
-        <p:spPr>
-          <a:xfrm>
-            <a:off x="714375" y="4000500"/>
-            <a:ext cx="5238750" cy="1428750"/>
-          </a:xfrm>
-          <a:prstGeom prst="rect">
-            <a:avLst/>
-          </a:prstGeom>
-          <a:noFill/>
-          <a:ln/>
-        </p:spPr>
-        <p:txBody>
-          <a:bodyPr wrap="square" rtlCol="0" anchor="ctr"/>
-          <a:lstStyle/>
-          <a:p>
-            <a:pPr marL="0" indent="0" algn="l">
-              <a:buNone/>
-            </a:pPr>
-            <a:r>
-              <a:rPr lang="en-US" sz="1367" dirty="0">
-                <a:solidFill>
-                  <a:srgbClr val="000000"/>
-                </a:solidFill>
-                <a:ea typeface="OpenSans-Regular" pitchFamily="34" charset="-122"/>
-                <a:cs typeface="OpenSans-Regular" pitchFamily="34" charset="-120"/>
-              </a:rPr>
-              <a:t>Some businesses develop custom conferencing tools tailored to specific e-commerce requirements.</a:t>
-            </a:r>
-            <a:endParaRPr lang="en-US" sz="1367" dirty="0"/>
-          </a:p>
-        </p:txBody>
-      </p:sp>
-      <p:pic>
-        <p:nvPicPr>
-          <p:cNvPr id="10" name="Image" descr="preencoded.png"/>
-          <p:cNvPicPr>
-            <a:picLocks noChangeAspect="1"/>
-          </p:cNvPicPr>
-          <p:nvPr/>
-        </p:nvPicPr>
-        <p:blipFill>
-          <a:blip r:embed="rId3"/>
-          <a:stretch>
-            <a:fillRect/>
-          </a:stretch>
-        </p:blipFill>
-        <p:spPr>
-          <a:xfrm>
-            <a:off x="6238875" y="1333500"/>
-            <a:ext cx="2476500" cy="2476500"/>
-          </a:xfrm>
-          <a:prstGeom prst="rect">
-            <a:avLst/>
-          </a:prstGeom>
-        </p:spPr>
-      </p:pic>
-      <p:sp>
-        <p:nvSpPr>
-          <p:cNvPr id="11" name="StaticPath"/>
-          <p:cNvSpPr/>
-          <p:nvPr/>
-        </p:nvSpPr>
-        <p:spPr>
-          <a:xfrm>
-            <a:off x="-1309687" y="3810000"/>
-            <a:ext cx="1737360" cy="1737360"/>
-          </a:xfrm>
-          <a:prstGeom prst="ellipse">
-            <a:avLst/>
-          </a:prstGeom>
-          <a:solidFill>
-            <a:srgbClr val="000000">
-              <a:alpha val="0"/>
-            </a:srgbClr>
-          </a:solidFill>
-          <a:ln w="211667">
-            <a:solidFill>
-              <a:srgbClr val="FF9800"/>
-            </a:solidFill>
-            <a:prstDash val="solid"/>
-          </a:ln>
-        </p:spPr>
-      </p:sp>
-      <p:sp>
-        <p:nvSpPr>
-          <p:cNvPr id="12" name="StaticPath"/>
-          <p:cNvSpPr/>
-          <p:nvPr/>
-        </p:nvSpPr>
-        <p:spPr>
-          <a:xfrm>
-            <a:off x="285750" y="204788"/>
-            <a:ext cx="482918" cy="482917"/>
-          </a:xfrm>
-          <a:prstGeom prst="ellipse">
-            <a:avLst/>
-          </a:prstGeom>
-          <a:solidFill>
-            <a:srgbClr val="000000"/>
-          </a:solidFill>
-          <a:ln/>
-        </p:spPr>
-      </p:sp>
     </p:spTree>
   </p:cSld>
   <p:clrMapOvr>
